--- a/trunk/ppt/System Implementation.pptx
+++ b/trunk/ppt/System Implementation.pptx
@@ -5,10 +5,10 @@
     <p:sldMasterId id="2147483651" r:id="rId1"/>
   </p:sldMasterIdLst>
   <p:notesMasterIdLst>
-    <p:notesMasterId r:id="rId17"/>
+    <p:notesMasterId r:id="rId18"/>
   </p:notesMasterIdLst>
   <p:handoutMasterIdLst>
-    <p:handoutMasterId r:id="rId18"/>
+    <p:handoutMasterId r:id="rId19"/>
   </p:handoutMasterIdLst>
   <p:sldIdLst>
     <p:sldId id="256" r:id="rId2"/>
@@ -22,10 +22,11 @@
     <p:sldId id="301" r:id="rId10"/>
     <p:sldId id="299" r:id="rId11"/>
     <p:sldId id="298" r:id="rId12"/>
-    <p:sldId id="308" r:id="rId13"/>
-    <p:sldId id="307" r:id="rId14"/>
-    <p:sldId id="309" r:id="rId15"/>
-    <p:sldId id="274" r:id="rId16"/>
+    <p:sldId id="312" r:id="rId13"/>
+    <p:sldId id="308" r:id="rId14"/>
+    <p:sldId id="307" r:id="rId15"/>
+    <p:sldId id="309" r:id="rId16"/>
+    <p:sldId id="274" r:id="rId17"/>
   </p:sldIdLst>
   <p:sldSz cx="9144000" cy="6858000" type="screen4x3"/>
   <p:notesSz cx="6743700" cy="9906000"/>
@@ -3068,8 +3069,12 @@
           <a:lstStyle/>
           <a:p>
             <a:r>
+              <a:rPr lang="en-US" altLang="zh-CN" sz="2400" dirty="0" smtClean="0"/>
+              <a:t>Implementation Object </a:t>
+            </a:r>
+            <a:r>
               <a:rPr lang="en-US" altLang="zh-CN" sz="2400" dirty="0"/>
-              <a:t>Implementation Object Linking and </a:t>
+              <a:t>Linking and </a:t>
             </a:r>
             <a:r>
               <a:rPr lang="en-US" altLang="zh-CN" sz="2400" dirty="0" smtClean="0"/>
@@ -3435,6 +3440,113 @@
           <a:p>
             <a:r>
               <a:rPr lang="en-US" altLang="zh-CN" dirty="0" smtClean="0"/>
+              <a:t>Test: Successfully Receive Trigger SMS</a:t>
+            </a:r>
+            <a:endParaRPr lang="zh-CN" altLang="en-US" dirty="0"/>
+          </a:p>
+        </p:txBody>
+      </p:sp>
+      <p:pic>
+        <p:nvPicPr>
+          <p:cNvPr id="2050" name="Picture 2" descr="C:\workspace\opc_ua\myCode\pic\pushSMS.jpg"/>
+          <p:cNvPicPr>
+            <a:picLocks noChangeAspect="1" noChangeArrowheads="1"/>
+          </p:cNvPicPr>
+          <p:nvPr/>
+        </p:nvPicPr>
+        <p:blipFill>
+          <a:blip r:embed="rId2" cstate="print"/>
+          <a:srcRect/>
+          <a:stretch>
+            <a:fillRect/>
+          </a:stretch>
+        </p:blipFill>
+        <p:spPr bwMode="auto">
+          <a:xfrm>
+            <a:off x="287888" y="1197182"/>
+            <a:ext cx="5894250" cy="5327289"/>
+          </a:xfrm>
+          <a:prstGeom prst="rect">
+            <a:avLst/>
+          </a:prstGeom>
+          <a:noFill/>
+        </p:spPr>
+      </p:pic>
+      <p:pic>
+        <p:nvPicPr>
+          <p:cNvPr id="2051" name="Picture 3" descr="C:\workspace\opc_ua\myCode\pic\scdlOverview.jpg"/>
+          <p:cNvPicPr>
+            <a:picLocks noChangeAspect="1" noChangeArrowheads="1"/>
+          </p:cNvPicPr>
+          <p:nvPr/>
+        </p:nvPicPr>
+        <p:blipFill>
+          <a:blip r:embed="rId3" cstate="print"/>
+          <a:srcRect/>
+          <a:stretch>
+            <a:fillRect/>
+          </a:stretch>
+        </p:blipFill>
+        <p:spPr bwMode="auto">
+          <a:xfrm>
+            <a:off x="5595939" y="1197182"/>
+            <a:ext cx="3548062" cy="5525880"/>
+          </a:xfrm>
+          <a:prstGeom prst="rect">
+            <a:avLst/>
+          </a:prstGeom>
+          <a:noFill/>
+        </p:spPr>
+      </p:pic>
+    </p:spTree>
+  </p:cSld>
+  <p:clrMapOvr>
+    <a:masterClrMapping/>
+  </p:clrMapOvr>
+  <p:timing>
+    <p:tnLst>
+      <p:par>
+        <p:cTn id="1" dur="indefinite" restart="never" nodeType="tmRoot"/>
+      </p:par>
+    </p:tnLst>
+  </p:timing>
+</p:sld>
+</file>
+
+<file path=ppt/slides/slide13.xml><?xml version="1.0" encoding="utf-8"?>
+<p:sld xmlns:a="http://schemas.openxmlformats.org/drawingml/2006/main" xmlns:r="http://schemas.openxmlformats.org/officeDocument/2006/relationships" xmlns:p="http://schemas.openxmlformats.org/presentationml/2006/main">
+  <p:cSld>
+    <p:spTree>
+      <p:nvGrpSpPr>
+        <p:cNvPr id="1" name=""/>
+        <p:cNvGrpSpPr/>
+        <p:nvPr/>
+      </p:nvGrpSpPr>
+      <p:grpSpPr>
+        <a:xfrm>
+          <a:off x="0" y="0"/>
+          <a:ext cx="0" cy="0"/>
+          <a:chOff x="0" y="0"/>
+          <a:chExt cx="0" cy="0"/>
+        </a:xfrm>
+      </p:grpSpPr>
+      <p:sp>
+        <p:nvSpPr>
+          <p:cNvPr id="2" name="标题 1"/>
+          <p:cNvSpPr>
+            <a:spLocks noGrp="1"/>
+          </p:cNvSpPr>
+          <p:nvPr>
+            <p:ph type="title"/>
+          </p:nvPr>
+        </p:nvSpPr>
+        <p:spPr/>
+        <p:txBody>
+          <a:bodyPr/>
+          <a:lstStyle/>
+          <a:p>
+            <a:r>
+              <a:rPr lang="en-US" altLang="zh-CN" dirty="0" smtClean="0"/>
               <a:t>Test: Client Hallo and Server Hallo</a:t>
             </a:r>
             <a:endParaRPr lang="zh-CN" altLang="en-US" dirty="0"/>
@@ -3508,7 +3620,7 @@
 </p:sld>
 </file>
 
-<file path=ppt/slides/slide13.xml><?xml version="1.0" encoding="utf-8"?>
+<file path=ppt/slides/slide14.xml><?xml version="1.0" encoding="utf-8"?>
 <p:sld xmlns:a="http://schemas.openxmlformats.org/drawingml/2006/main" xmlns:r="http://schemas.openxmlformats.org/officeDocument/2006/relationships" xmlns:p="http://schemas.openxmlformats.org/presentationml/2006/main">
   <p:cSld>
     <p:spTree>
@@ -3615,266 +3727,6 @@
 </p:sld>
 </file>
 
-<file path=ppt/slides/slide14.xml><?xml version="1.0" encoding="utf-8"?>
-<p:sld xmlns:a="http://schemas.openxmlformats.org/drawingml/2006/main" xmlns:r="http://schemas.openxmlformats.org/officeDocument/2006/relationships" xmlns:p="http://schemas.openxmlformats.org/presentationml/2006/main">
-  <p:cSld>
-    <p:spTree>
-      <p:nvGrpSpPr>
-        <p:cNvPr id="1" name=""/>
-        <p:cNvGrpSpPr/>
-        <p:nvPr/>
-      </p:nvGrpSpPr>
-      <p:grpSpPr>
-        <a:xfrm>
-          <a:off x="0" y="0"/>
-          <a:ext cx="0" cy="0"/>
-          <a:chOff x="0" y="0"/>
-          <a:chExt cx="0" cy="0"/>
-        </a:xfrm>
-      </p:grpSpPr>
-      <p:sp>
-        <p:nvSpPr>
-          <p:cNvPr id="2" name="Title 1"/>
-          <p:cNvSpPr>
-            <a:spLocks noGrp="1"/>
-          </p:cNvSpPr>
-          <p:nvPr>
-            <p:ph type="title"/>
-          </p:nvPr>
-        </p:nvSpPr>
-        <p:spPr/>
-        <p:txBody>
-          <a:bodyPr/>
-          <a:lstStyle/>
-          <a:p>
-            <a:r>
-              <a:rPr lang="en-GB" dirty="0" smtClean="0"/>
-              <a:t>Security Concerns</a:t>
-            </a:r>
-            <a:endParaRPr lang="en-US" dirty="0"/>
-          </a:p>
-        </p:txBody>
-      </p:sp>
-      <p:sp>
-        <p:nvSpPr>
-          <p:cNvPr id="3" name="Content Placeholder 2"/>
-          <p:cNvSpPr>
-            <a:spLocks noGrp="1"/>
-          </p:cNvSpPr>
-          <p:nvPr>
-            <p:ph idx="1"/>
-          </p:nvPr>
-        </p:nvSpPr>
-        <p:spPr/>
-        <p:txBody>
-          <a:bodyPr/>
-          <a:lstStyle/>
-          <a:p>
-            <a:r>
-              <a:rPr lang="en-GB" dirty="0" smtClean="0"/>
-              <a:t>Overall System </a:t>
-            </a:r>
-            <a:r>
-              <a:rPr lang="en-GB" dirty="0" smtClean="0"/>
-              <a:t>Design Security Concerns:</a:t>
-            </a:r>
-          </a:p>
-          <a:p>
-            <a:pPr lvl="1"/>
-            <a:r>
-              <a:rPr lang="en-GB" dirty="0" smtClean="0"/>
-              <a:t>Authorization, Confidentiality, integrity and etc.</a:t>
-            </a:r>
-            <a:endParaRPr lang="en-GB" dirty="0" smtClean="0"/>
-          </a:p>
-          <a:p>
-            <a:pPr lvl="1"/>
-            <a:r>
-              <a:rPr lang="en-GB" dirty="0" smtClean="0"/>
-              <a:t>Traceability</a:t>
-            </a:r>
-          </a:p>
-          <a:p>
-            <a:pPr lvl="1"/>
-            <a:r>
-              <a:rPr lang="en-GB" dirty="0" smtClean="0"/>
-              <a:t>Appropriate Timeouts</a:t>
-            </a:r>
-          </a:p>
-          <a:p>
-            <a:pPr lvl="1"/>
-            <a:r>
-              <a:rPr lang="en-GB" dirty="0" smtClean="0"/>
-              <a:t>Rate Limiting and Flow Control</a:t>
-            </a:r>
-          </a:p>
-          <a:p>
-            <a:pPr lvl="1"/>
-            <a:r>
-              <a:rPr lang="en-GB" dirty="0" smtClean="0"/>
-              <a:t>Random Number Generation</a:t>
-            </a:r>
-          </a:p>
-          <a:p>
-            <a:r>
-              <a:rPr lang="en-GB" dirty="0" smtClean="0"/>
-              <a:t>CAD-Applet Security:</a:t>
-            </a:r>
-            <a:endParaRPr lang="en-US" dirty="0" smtClean="0"/>
-          </a:p>
-          <a:p>
-            <a:pPr lvl="1"/>
-            <a:r>
-              <a:rPr lang="en-GB" dirty="0" smtClean="0"/>
-              <a:t>Authentication: SE Access Control from </a:t>
-            </a:r>
-            <a:r>
-              <a:rPr lang="en-GB" dirty="0" err="1" smtClean="0"/>
-              <a:t>GlobalPlatform</a:t>
-            </a:r>
-            <a:endParaRPr lang="en-GB" dirty="0" smtClean="0"/>
-          </a:p>
-          <a:p>
-            <a:pPr lvl="1"/>
-            <a:r>
-              <a:rPr lang="en-GB" dirty="0" smtClean="0"/>
-              <a:t>Secure Messaging: </a:t>
-            </a:r>
-            <a:r>
-              <a:rPr lang="en-GB" dirty="0" err="1" smtClean="0"/>
-              <a:t>OpenMobile</a:t>
-            </a:r>
-            <a:r>
-              <a:rPr lang="en-GB" dirty="0" smtClean="0"/>
-              <a:t> API</a:t>
-            </a:r>
-          </a:p>
-          <a:p>
-            <a:r>
-              <a:rPr lang="en-GB" dirty="0" err="1" smtClean="0"/>
-              <a:t>Appelt-Appelt</a:t>
-            </a:r>
-            <a:r>
-              <a:rPr lang="en-GB" dirty="0" smtClean="0"/>
-              <a:t> Security:</a:t>
-            </a:r>
-          </a:p>
-          <a:p>
-            <a:pPr lvl="1"/>
-            <a:r>
-              <a:rPr lang="en-GB" dirty="0" smtClean="0"/>
-              <a:t>RAM/RFM standard from </a:t>
-            </a:r>
-            <a:r>
-              <a:rPr lang="en-GB" dirty="0" err="1" smtClean="0"/>
-              <a:t>GlobalPlatform</a:t>
-            </a:r>
-            <a:endParaRPr lang="en-GB" dirty="0" smtClean="0"/>
-          </a:p>
-          <a:p>
-            <a:pPr lvl="1"/>
-            <a:r>
-              <a:rPr lang="en-GB" dirty="0" smtClean="0"/>
-              <a:t>TLS1.2 based communication session</a:t>
-            </a:r>
-          </a:p>
-          <a:p>
-            <a:pPr lvl="1"/>
-            <a:endParaRPr lang="en-GB" dirty="0" smtClean="0"/>
-          </a:p>
-          <a:p>
-            <a:pPr>
-              <a:buNone/>
-            </a:pPr>
-            <a:endParaRPr lang="en-GB" dirty="0" smtClean="0"/>
-          </a:p>
-          <a:p>
-            <a:pPr>
-              <a:buNone/>
-            </a:pPr>
-            <a:endParaRPr lang="en-GB" dirty="0" smtClean="0"/>
-          </a:p>
-        </p:txBody>
-      </p:sp>
-      <p:sp>
-        <p:nvSpPr>
-          <p:cNvPr id="4" name="Slide Number Placeholder 3"/>
-          <p:cNvSpPr>
-            <a:spLocks noGrp="1"/>
-          </p:cNvSpPr>
-          <p:nvPr>
-            <p:ph type="sldNum" sz="quarter" idx="10"/>
-          </p:nvPr>
-        </p:nvSpPr>
-        <p:spPr/>
-        <p:txBody>
-          <a:bodyPr/>
-          <a:lstStyle/>
-          <a:p>
-            <a:fld id="{FAF38CBB-378C-4311-BC9A-BAB83E9729AD}" type="slidenum">
-              <a:rPr lang="en-US" smtClean="0"/>
-              <a:pPr/>
-              <a:t>14</a:t>
-            </a:fld>
-            <a:endParaRPr lang="en-US"/>
-          </a:p>
-        </p:txBody>
-      </p:sp>
-      <p:sp>
-        <p:nvSpPr>
-          <p:cNvPr id="5" name="Footer Placeholder 4"/>
-          <p:cNvSpPr>
-            <a:spLocks noGrp="1"/>
-          </p:cNvSpPr>
-          <p:nvPr>
-            <p:ph type="ftr" sz="quarter" idx="11"/>
-          </p:nvPr>
-        </p:nvSpPr>
-        <p:spPr/>
-        <p:txBody>
-          <a:bodyPr/>
-          <a:lstStyle/>
-          <a:p>
-            <a:r>
-              <a:rPr lang="en-US" altLang="zh-CN" smtClean="0"/>
-              <a:t>OPC UA on Secure Device Yuankui Wang</a:t>
-            </a:r>
-            <a:endParaRPr lang="en-US" altLang="zh-CN" dirty="0"/>
-          </a:p>
-        </p:txBody>
-      </p:sp>
-      <p:sp>
-        <p:nvSpPr>
-          <p:cNvPr id="6" name="Date Placeholder 5"/>
-          <p:cNvSpPr>
-            <a:spLocks noGrp="1"/>
-          </p:cNvSpPr>
-          <p:nvPr>
-            <p:ph type="dt" sz="half" idx="12"/>
-          </p:nvPr>
-        </p:nvSpPr>
-        <p:spPr/>
-        <p:txBody>
-          <a:bodyPr/>
-          <a:lstStyle/>
-          <a:p>
-            <a:fld id="{D9CB193C-FC74-4279-8388-9DD1BFD58DB8}" type="datetime4">
-              <a:rPr lang="en-US" smtClean="0"/>
-              <a:pPr/>
-              <a:t>July 24, 2014</a:t>
-            </a:fld>
-            <a:endParaRPr lang="en-US"/>
-          </a:p>
-        </p:txBody>
-      </p:sp>
-    </p:spTree>
-  </p:cSld>
-  <p:clrMapOvr>
-    <a:masterClrMapping/>
-  </p:clrMapOvr>
-</p:sld>
-</file>
-
 <file path=ppt/slides/slide15.xml><?xml version="1.0" encoding="utf-8"?>
 <p:sld xmlns:a="http://schemas.openxmlformats.org/drawingml/2006/main" xmlns:r="http://schemas.openxmlformats.org/officeDocument/2006/relationships" xmlns:p="http://schemas.openxmlformats.org/presentationml/2006/main">
   <p:cSld>
@@ -3894,12 +3746,12 @@
       </p:grpSpPr>
       <p:sp>
         <p:nvSpPr>
-          <p:cNvPr id="8" name="副标题 7"/>
+          <p:cNvPr id="2" name="Title 1"/>
           <p:cNvSpPr>
             <a:spLocks noGrp="1"/>
           </p:cNvSpPr>
           <p:nvPr>
-            <p:ph type="subTitle" idx="1"/>
+            <p:ph type="title"/>
           </p:nvPr>
         </p:nvSpPr>
         <p:spPr/>
@@ -3907,18 +3759,175 @@
           <a:bodyPr/>
           <a:lstStyle/>
           <a:p>
-            <a:endParaRPr lang="zh-CN" altLang="en-US"/>
-          </a:p>
-        </p:txBody>
-      </p:sp>
-      <p:sp>
-        <p:nvSpPr>
-          <p:cNvPr id="4" name="灯片编号占位符 3"/>
+            <a:r>
+              <a:rPr lang="en-GB" dirty="0" smtClean="0"/>
+              <a:t>Security Concerns</a:t>
+            </a:r>
+            <a:endParaRPr lang="en-US" dirty="0"/>
+          </a:p>
+        </p:txBody>
+      </p:sp>
+      <p:sp>
+        <p:nvSpPr>
+          <p:cNvPr id="3" name="Content Placeholder 2"/>
           <p:cNvSpPr>
             <a:spLocks noGrp="1"/>
           </p:cNvSpPr>
           <p:nvPr>
-            <p:ph type="sldNum" sz="quarter" idx="4"/>
+            <p:ph idx="1"/>
+          </p:nvPr>
+        </p:nvSpPr>
+        <p:spPr>
+          <a:xfrm>
+            <a:off x="457200" y="1065213"/>
+            <a:ext cx="8447314" cy="5056187"/>
+          </a:xfrm>
+        </p:spPr>
+        <p:txBody>
+          <a:bodyPr/>
+          <a:lstStyle/>
+          <a:p>
+            <a:r>
+              <a:rPr lang="en-GB" dirty="0" smtClean="0"/>
+              <a:t>Overall System Design Security Concerns:</a:t>
+            </a:r>
+          </a:p>
+          <a:p>
+            <a:pPr lvl="1"/>
+            <a:r>
+              <a:rPr lang="en-GB" dirty="0" smtClean="0"/>
+              <a:t>Authorization, Confidentiality, integrity and etc.</a:t>
+            </a:r>
+          </a:p>
+          <a:p>
+            <a:pPr lvl="1"/>
+            <a:r>
+              <a:rPr lang="en-GB" dirty="0" smtClean="0"/>
+              <a:t>Traceability</a:t>
+            </a:r>
+          </a:p>
+          <a:p>
+            <a:pPr lvl="1"/>
+            <a:r>
+              <a:rPr lang="en-GB" dirty="0" smtClean="0"/>
+              <a:t>Appropriate Timeouts</a:t>
+            </a:r>
+          </a:p>
+          <a:p>
+            <a:pPr lvl="1"/>
+            <a:r>
+              <a:rPr lang="en-GB" dirty="0" smtClean="0"/>
+              <a:t>Rate Limiting and Flow Control</a:t>
+            </a:r>
+          </a:p>
+          <a:p>
+            <a:pPr lvl="1"/>
+            <a:r>
+              <a:rPr lang="en-GB" dirty="0" smtClean="0"/>
+              <a:t>Random Number Generation</a:t>
+            </a:r>
+          </a:p>
+          <a:p>
+            <a:r>
+              <a:rPr lang="en-GB" dirty="0" smtClean="0"/>
+              <a:t>CAD-Applet Security:</a:t>
+            </a:r>
+            <a:endParaRPr lang="en-US" dirty="0" smtClean="0"/>
+          </a:p>
+          <a:p>
+            <a:pPr lvl="1"/>
+            <a:r>
+              <a:rPr lang="en-GB" dirty="0" smtClean="0"/>
+              <a:t>Authentication: SE Access Control from </a:t>
+            </a:r>
+            <a:r>
+              <a:rPr lang="en-GB" dirty="0" err="1" smtClean="0"/>
+              <a:t>GlobalPlatform</a:t>
+            </a:r>
+            <a:endParaRPr lang="en-GB" dirty="0" smtClean="0"/>
+          </a:p>
+          <a:p>
+            <a:pPr lvl="1"/>
+            <a:r>
+              <a:rPr lang="en-GB" dirty="0" smtClean="0"/>
+              <a:t>Secure Messaging: </a:t>
+            </a:r>
+            <a:r>
+              <a:rPr lang="en-GB" dirty="0" err="1" smtClean="0"/>
+              <a:t>OpenMobile</a:t>
+            </a:r>
+            <a:r>
+              <a:rPr lang="en-GB" dirty="0" smtClean="0"/>
+              <a:t> API</a:t>
+            </a:r>
+          </a:p>
+          <a:p>
+            <a:r>
+              <a:rPr lang="en-GB" dirty="0" err="1" smtClean="0"/>
+              <a:t>Appelt-Appelt</a:t>
+            </a:r>
+            <a:r>
+              <a:rPr lang="en-GB" dirty="0" smtClean="0"/>
+              <a:t> Security:</a:t>
+            </a:r>
+          </a:p>
+          <a:p>
+            <a:pPr lvl="1"/>
+            <a:r>
+              <a:rPr lang="en-GB" dirty="0" smtClean="0"/>
+              <a:t>RAM/RFM standard from </a:t>
+            </a:r>
+            <a:r>
+              <a:rPr lang="en-GB" dirty="0" err="1" smtClean="0"/>
+              <a:t>GlobalPlatform</a:t>
+            </a:r>
+            <a:endParaRPr lang="en-GB" dirty="0" smtClean="0"/>
+          </a:p>
+          <a:p>
+            <a:pPr lvl="1"/>
+            <a:r>
+              <a:rPr lang="en-GB" dirty="0" smtClean="0"/>
+              <a:t>TLS1.2 based communication </a:t>
+            </a:r>
+            <a:r>
+              <a:rPr lang="en-GB" dirty="0" smtClean="0"/>
+              <a:t>session</a:t>
+            </a:r>
+          </a:p>
+          <a:p>
+            <a:pPr lvl="1"/>
+            <a:r>
+              <a:rPr lang="en-GB" dirty="0" smtClean="0"/>
+              <a:t>PKI</a:t>
+            </a:r>
+            <a:endParaRPr lang="en-GB" dirty="0" smtClean="0"/>
+          </a:p>
+          <a:p>
+            <a:pPr lvl="1"/>
+            <a:endParaRPr lang="en-GB" dirty="0" smtClean="0"/>
+          </a:p>
+          <a:p>
+            <a:pPr>
+              <a:buNone/>
+            </a:pPr>
+            <a:endParaRPr lang="en-GB" dirty="0" smtClean="0"/>
+          </a:p>
+          <a:p>
+            <a:pPr>
+              <a:buNone/>
+            </a:pPr>
+            <a:endParaRPr lang="en-GB" dirty="0" smtClean="0"/>
+          </a:p>
+        </p:txBody>
+      </p:sp>
+      <p:sp>
+        <p:nvSpPr>
+          <p:cNvPr id="4" name="Slide Number Placeholder 3"/>
+          <p:cNvSpPr>
+            <a:spLocks noGrp="1"/>
+          </p:cNvSpPr>
+          <p:nvPr>
+            <p:ph type="sldNum" sz="quarter" idx="10"/>
           </p:nvPr>
         </p:nvSpPr>
         <p:spPr/>
@@ -3930,6 +3939,121 @@
               <a:rPr lang="en-US" smtClean="0"/>
               <a:pPr/>
               <a:t>15</a:t>
+            </a:fld>
+            <a:endParaRPr lang="en-US"/>
+          </a:p>
+        </p:txBody>
+      </p:sp>
+      <p:sp>
+        <p:nvSpPr>
+          <p:cNvPr id="5" name="Footer Placeholder 4"/>
+          <p:cNvSpPr>
+            <a:spLocks noGrp="1"/>
+          </p:cNvSpPr>
+          <p:nvPr>
+            <p:ph type="ftr" sz="quarter" idx="11"/>
+          </p:nvPr>
+        </p:nvSpPr>
+        <p:spPr/>
+        <p:txBody>
+          <a:bodyPr/>
+          <a:lstStyle/>
+          <a:p>
+            <a:r>
+              <a:rPr lang="en-US" altLang="zh-CN" dirty="0" smtClean="0"/>
+              <a:t>OPC UA on Secure Device Yuankui Wang</a:t>
+            </a:r>
+            <a:endParaRPr lang="en-US" altLang="zh-CN" dirty="0"/>
+          </a:p>
+        </p:txBody>
+      </p:sp>
+      <p:sp>
+        <p:nvSpPr>
+          <p:cNvPr id="6" name="Date Placeholder 5"/>
+          <p:cNvSpPr>
+            <a:spLocks noGrp="1"/>
+          </p:cNvSpPr>
+          <p:nvPr>
+            <p:ph type="dt" sz="half" idx="12"/>
+          </p:nvPr>
+        </p:nvSpPr>
+        <p:spPr/>
+        <p:txBody>
+          <a:bodyPr/>
+          <a:lstStyle/>
+          <a:p>
+            <a:fld id="{D9CB193C-FC74-4279-8388-9DD1BFD58DB8}" type="datetime4">
+              <a:rPr lang="en-US" smtClean="0"/>
+              <a:pPr/>
+              <a:t>July 24, 2014</a:t>
+            </a:fld>
+            <a:endParaRPr lang="en-US"/>
+          </a:p>
+        </p:txBody>
+      </p:sp>
+    </p:spTree>
+  </p:cSld>
+  <p:clrMapOvr>
+    <a:masterClrMapping/>
+  </p:clrMapOvr>
+</p:sld>
+</file>
+
+<file path=ppt/slides/slide16.xml><?xml version="1.0" encoding="utf-8"?>
+<p:sld xmlns:a="http://schemas.openxmlformats.org/drawingml/2006/main" xmlns:r="http://schemas.openxmlformats.org/officeDocument/2006/relationships" xmlns:p="http://schemas.openxmlformats.org/presentationml/2006/main">
+  <p:cSld>
+    <p:spTree>
+      <p:nvGrpSpPr>
+        <p:cNvPr id="1" name=""/>
+        <p:cNvGrpSpPr/>
+        <p:nvPr/>
+      </p:nvGrpSpPr>
+      <p:grpSpPr>
+        <a:xfrm>
+          <a:off x="0" y="0"/>
+          <a:ext cx="0" cy="0"/>
+          <a:chOff x="0" y="0"/>
+          <a:chExt cx="0" cy="0"/>
+        </a:xfrm>
+      </p:grpSpPr>
+      <p:sp>
+        <p:nvSpPr>
+          <p:cNvPr id="8" name="副标题 7"/>
+          <p:cNvSpPr>
+            <a:spLocks noGrp="1"/>
+          </p:cNvSpPr>
+          <p:nvPr>
+            <p:ph type="subTitle" idx="1"/>
+          </p:nvPr>
+        </p:nvSpPr>
+        <p:spPr/>
+        <p:txBody>
+          <a:bodyPr/>
+          <a:lstStyle/>
+          <a:p>
+            <a:endParaRPr lang="zh-CN" altLang="en-US"/>
+          </a:p>
+        </p:txBody>
+      </p:sp>
+      <p:sp>
+        <p:nvSpPr>
+          <p:cNvPr id="4" name="灯片编号占位符 3"/>
+          <p:cNvSpPr>
+            <a:spLocks noGrp="1"/>
+          </p:cNvSpPr>
+          <p:nvPr>
+            <p:ph type="sldNum" sz="quarter" idx="4"/>
+          </p:nvPr>
+        </p:nvSpPr>
+        <p:spPr/>
+        <p:txBody>
+          <a:bodyPr/>
+          <a:lstStyle/>
+          <a:p>
+            <a:fld id="{FAF38CBB-378C-4311-BC9A-BAB83E9729AD}" type="slidenum">
+              <a:rPr lang="en-US" smtClean="0"/>
+              <a:pPr/>
+              <a:t>16</a:t>
             </a:fld>
             <a:endParaRPr lang="en-US"/>
           </a:p>
@@ -4085,25 +4209,18 @@
               <a:rPr lang="en-US" altLang="zh-CN" dirty="0" smtClean="0"/>
               <a:t>System Design</a:t>
             </a:r>
-            <a:endParaRPr lang="en-US" altLang="zh-CN" dirty="0" smtClean="0"/>
           </a:p>
           <a:p>
             <a:r>
               <a:rPr lang="en-US" altLang="zh-CN" dirty="0" smtClean="0"/>
-              <a:t>Implementation </a:t>
-            </a:r>
-            <a:r>
-              <a:rPr lang="en-US" altLang="zh-CN" dirty="0" smtClean="0"/>
-              <a:t>and Test</a:t>
-            </a:r>
-            <a:endParaRPr lang="en-US" altLang="zh-CN" dirty="0" smtClean="0"/>
+              <a:t>Implementation and Test</a:t>
+            </a:r>
           </a:p>
           <a:p>
             <a:r>
               <a:rPr lang="en-US" altLang="zh-CN" dirty="0" smtClean="0"/>
               <a:t>Security Concerns</a:t>
             </a:r>
-            <a:endParaRPr lang="en-US" altLang="zh-CN" dirty="0" smtClean="0"/>
           </a:p>
           <a:p>
             <a:pPr>
@@ -4541,7 +4658,6 @@
               <a:rPr lang="en-GB" dirty="0" smtClean="0"/>
               <a:t> </a:t>
             </a:r>
-            <a:endParaRPr lang="en-GB" dirty="0" smtClean="0"/>
           </a:p>
           <a:p>
             <a:r>
@@ -5055,7 +5171,7 @@
       </p:pic>
       <p:pic>
         <p:nvPicPr>
-          <p:cNvPr id="3076" name="Picture 4"/>
+          <p:cNvPr id="3077" name="Picture 5"/>
           <p:cNvPicPr>
             <a:picLocks noChangeAspect="1" noChangeArrowheads="1"/>
           </p:cNvPicPr>
@@ -5063,15 +5179,15 @@
         </p:nvPicPr>
         <p:blipFill>
           <a:blip r:embed="rId4" cstate="print"/>
-          <a:srcRect/>
+          <a:srcRect r="6230"/>
           <a:stretch>
             <a:fillRect/>
           </a:stretch>
         </p:blipFill>
         <p:spPr bwMode="auto">
           <a:xfrm>
-            <a:off x="6132444" y="2119492"/>
-            <a:ext cx="3290267" cy="752475"/>
+            <a:off x="180229" y="3860938"/>
+            <a:ext cx="3304023" cy="1655942"/>
           </a:xfrm>
           <a:prstGeom prst="rect">
             <a:avLst/>
@@ -5088,7 +5204,7 @@
       </p:pic>
       <p:pic>
         <p:nvPicPr>
-          <p:cNvPr id="3077" name="Picture 5"/>
+          <p:cNvPr id="1026" name="Picture 2"/>
           <p:cNvPicPr>
             <a:picLocks noChangeAspect="1" noChangeArrowheads="1"/>
           </p:cNvPicPr>
@@ -5096,15 +5212,15 @@
         </p:nvPicPr>
         <p:blipFill>
           <a:blip r:embed="rId5" cstate="print"/>
-          <a:srcRect r="6230"/>
+          <a:srcRect/>
           <a:stretch>
             <a:fillRect/>
           </a:stretch>
         </p:blipFill>
         <p:spPr bwMode="auto">
           <a:xfrm>
-            <a:off x="180229" y="3860938"/>
-            <a:ext cx="3304023" cy="1655942"/>
+            <a:off x="5595938" y="3613288"/>
+            <a:ext cx="3371850" cy="495300"/>
           </a:xfrm>
           <a:prstGeom prst="rect">
             <a:avLst/>

--- a/trunk/ppt/System Implementation.pptx
+++ b/trunk/ppt/System Implementation.pptx
@@ -5,10 +5,10 @@
     <p:sldMasterId id="2147483651" r:id="rId1"/>
   </p:sldMasterIdLst>
   <p:notesMasterIdLst>
-    <p:notesMasterId r:id="rId18"/>
+    <p:notesMasterId r:id="rId19"/>
   </p:notesMasterIdLst>
   <p:handoutMasterIdLst>
-    <p:handoutMasterId r:id="rId19"/>
+    <p:handoutMasterId r:id="rId20"/>
   </p:handoutMasterIdLst>
   <p:sldIdLst>
     <p:sldId id="256" r:id="rId2"/>
@@ -16,17 +16,18 @@
     <p:sldId id="296" r:id="rId4"/>
     <p:sldId id="303" r:id="rId5"/>
     <p:sldId id="302" r:id="rId6"/>
-    <p:sldId id="311" r:id="rId7"/>
-    <p:sldId id="310" r:id="rId8"/>
-    <p:sldId id="300" r:id="rId9"/>
-    <p:sldId id="301" r:id="rId10"/>
-    <p:sldId id="299" r:id="rId11"/>
-    <p:sldId id="298" r:id="rId12"/>
-    <p:sldId id="312" r:id="rId13"/>
-    <p:sldId id="308" r:id="rId14"/>
-    <p:sldId id="307" r:id="rId15"/>
-    <p:sldId id="309" r:id="rId16"/>
-    <p:sldId id="274" r:id="rId17"/>
+    <p:sldId id="313" r:id="rId7"/>
+    <p:sldId id="311" r:id="rId8"/>
+    <p:sldId id="310" r:id="rId9"/>
+    <p:sldId id="300" r:id="rId10"/>
+    <p:sldId id="301" r:id="rId11"/>
+    <p:sldId id="299" r:id="rId12"/>
+    <p:sldId id="298" r:id="rId13"/>
+    <p:sldId id="312" r:id="rId14"/>
+    <p:sldId id="308" r:id="rId15"/>
+    <p:sldId id="307" r:id="rId16"/>
+    <p:sldId id="309" r:id="rId17"/>
+    <p:sldId id="274" r:id="rId18"/>
   </p:sldIdLst>
   <p:sldSz cx="9144000" cy="6858000" type="screen4x3"/>
   <p:notesSz cx="6743700" cy="9906000"/>
@@ -370,13 +371,18 @@
             <a:fld id="{CC3F8750-1AA1-48A5-A8C8-B89366636632}" type="slidenum">
               <a:rPr lang="de-DE" altLang="zh-CN"/>
               <a:pPr/>
-              <a:t>‹#›</a:t>
+              <a:t>‹Nr.›</a:t>
             </a:fld>
             <a:endParaRPr lang="de-DE" altLang="zh-CN"/>
           </a:p>
         </p:txBody>
       </p:sp>
     </p:spTree>
+    <p:extLst>
+      <p:ext uri="{BB962C8B-B14F-4D97-AF65-F5344CB8AC3E}">
+        <p14:creationId xmlns:p14="http://schemas.microsoft.com/office/powerpoint/2010/main" val="771476499"/>
+      </p:ext>
+    </p:extLst>
   </p:cSld>
   <p:clrMap bg1="lt1" tx1="dk1" bg2="lt2" tx2="dk2" accent1="accent1" accent2="accent2" accent3="accent3" accent4="accent4" accent5="accent5" accent6="accent6" hlink="hlink" folHlink="folHlink"/>
 </p:handoutMaster>
@@ -694,13 +700,18 @@
             <a:fld id="{DF6BEE96-3C94-4F18-B92D-0490DFD7A472}" type="slidenum">
               <a:rPr lang="de-DE" altLang="zh-CN"/>
               <a:pPr/>
-              <a:t>‹#›</a:t>
+              <a:t>‹Nr.›</a:t>
             </a:fld>
             <a:endParaRPr lang="de-DE" altLang="zh-CN"/>
           </a:p>
         </p:txBody>
       </p:sp>
     </p:spTree>
+    <p:extLst>
+      <p:ext uri="{BB962C8B-B14F-4D97-AF65-F5344CB8AC3E}">
+        <p14:creationId xmlns:p14="http://schemas.microsoft.com/office/powerpoint/2010/main" val="3004128176"/>
+      </p:ext>
+    </p:extLst>
   </p:cSld>
   <p:clrMap bg1="lt1" tx1="dk1" bg2="lt2" tx2="dk2" accent1="accent1" accent2="accent2" accent3="accent3" accent4="accent4" accent5="accent5" accent6="accent6" hlink="hlink" folHlink="folHlink"/>
   <p:notesStyle>
@@ -1066,7 +1077,7 @@
             <a:fld id="{56F1C4B0-B01D-4E3E-868E-1A3AEF893EE8}" type="slidenum">
               <a:rPr lang="en-US"/>
               <a:pPr/>
-              <a:t>‹#›</a:t>
+              <a:t>‹Nr.›</a:t>
             </a:fld>
             <a:endParaRPr lang="en-US"/>
           </a:p>
@@ -1480,7 +1491,7 @@
             <a:fld id="{FAF38CBB-378C-4311-BC9A-BAB83E9729AD}" type="slidenum">
               <a:rPr lang="en-US"/>
               <a:pPr/>
-              <a:t>‹#›</a:t>
+              <a:t>‹Nr.›</a:t>
             </a:fld>
             <a:endParaRPr lang="en-US"/>
           </a:p>
@@ -1928,7 +1939,7 @@
             <a:fld id="{9DF0B80C-AC1E-488D-89EA-02AEDD3013AE}" type="slidenum">
               <a:rPr lang="en-US"/>
               <a:pPr/>
-              <a:t>‹#›</a:t>
+              <a:t>‹Nr.›</a:t>
             </a:fld>
             <a:endParaRPr lang="en-US"/>
           </a:p>
@@ -2278,7 +2289,7 @@
             <a:fld id="{614C5746-3CE9-455D-A260-C5619E738A39}" type="slidenum">
               <a:rPr lang="en-US"/>
               <a:pPr/>
-              <a:t>‹#›</a:t>
+              <a:t>‹Nr.›</a:t>
             </a:fld>
             <a:endParaRPr lang="en-US"/>
           </a:p>
@@ -3078,19 +3089,15 @@
             </a:r>
             <a:r>
               <a:rPr lang="en-US" altLang="zh-CN" sz="2400" dirty="0" smtClean="0"/>
-              <a:t>Embedding for </a:t>
+              <a:t>Embedding for Process </a:t>
             </a:r>
             <a:r>
               <a:rPr lang="en-US" altLang="zh-CN" sz="2400" dirty="0"/>
-              <a:t>Processes Control </a:t>
+              <a:t>Control </a:t>
             </a:r>
             <a:r>
               <a:rPr lang="en-US" altLang="zh-CN" sz="2400" dirty="0" smtClean="0"/>
-              <a:t>Unified Architecture Specification </a:t>
-            </a:r>
-            <a:r>
-              <a:rPr lang="en-US" altLang="zh-CN" sz="2400" dirty="0"/>
-              <a:t>on Secure Device</a:t>
+              <a:t>Unified Architecture Specification With Smart Card Technology for secure application and service</a:t>
             </a:r>
             <a:endParaRPr lang="zh-CN" altLang="en-US" sz="2400" dirty="0"/>
           </a:p>
@@ -3179,7 +3186,7 @@
           <a:p>
             <a:r>
               <a:rPr lang="en-US" altLang="zh-CN" dirty="0" smtClean="0"/>
-              <a:t>System Design: Communication Flow</a:t>
+              <a:t>System Design: CAD-SD Interface</a:t>
             </a:r>
             <a:endParaRPr lang="zh-CN" altLang="en-US" dirty="0"/>
           </a:p>
@@ -3187,7 +3194,7 @@
       </p:sp>
       <p:pic>
         <p:nvPicPr>
-          <p:cNvPr id="3" name="Picture 2"/>
+          <p:cNvPr id="3074" name="Picture 2"/>
           <p:cNvPicPr>
             <a:picLocks noChangeAspect="1" noChangeArrowheads="1"/>
           </p:cNvPicPr>
@@ -3195,15 +3202,15 @@
         </p:nvPicPr>
         <p:blipFill>
           <a:blip r:embed="rId2" cstate="print"/>
-          <a:srcRect r="2335"/>
+          <a:srcRect/>
           <a:stretch>
             <a:fillRect/>
           </a:stretch>
         </p:blipFill>
         <p:spPr bwMode="auto">
           <a:xfrm>
-            <a:off x="483163" y="814735"/>
-            <a:ext cx="4993405" cy="5540581"/>
+            <a:off x="322470" y="1333500"/>
+            <a:ext cx="5992813" cy="2095500"/>
           </a:xfrm>
           <a:prstGeom prst="rect">
             <a:avLst/>
@@ -3220,7 +3227,7 @@
       </p:pic>
       <p:pic>
         <p:nvPicPr>
-          <p:cNvPr id="4098" name="Picture 2"/>
+          <p:cNvPr id="3075" name="Picture 3"/>
           <p:cNvPicPr>
             <a:picLocks noChangeAspect="1" noChangeArrowheads="1"/>
           </p:cNvPicPr>
@@ -3235,8 +3242,8 @@
         </p:blipFill>
         <p:spPr bwMode="auto">
           <a:xfrm>
-            <a:off x="5347252" y="1481552"/>
-            <a:ext cx="3796748" cy="1628775"/>
+            <a:off x="3356691" y="4336912"/>
+            <a:ext cx="5862320" cy="2038350"/>
           </a:xfrm>
           <a:prstGeom prst="rect">
             <a:avLst/>
@@ -3253,7 +3260,7 @@
       </p:pic>
       <p:pic>
         <p:nvPicPr>
-          <p:cNvPr id="4099" name="Picture 3"/>
+          <p:cNvPr id="3077" name="Picture 5"/>
           <p:cNvPicPr>
             <a:picLocks noChangeAspect="1" noChangeArrowheads="1"/>
           </p:cNvPicPr>
@@ -3261,6 +3268,39 @@
         </p:nvPicPr>
         <p:blipFill>
           <a:blip r:embed="rId4" cstate="print"/>
+          <a:srcRect r="6230"/>
+          <a:stretch>
+            <a:fillRect/>
+          </a:stretch>
+        </p:blipFill>
+        <p:spPr bwMode="auto">
+          <a:xfrm>
+            <a:off x="180229" y="3860938"/>
+            <a:ext cx="3304023" cy="1655942"/>
+          </a:xfrm>
+          <a:prstGeom prst="rect">
+            <a:avLst/>
+          </a:prstGeom>
+          <a:noFill/>
+          <a:ln w="9525">
+            <a:noFill/>
+            <a:miter lim="800000"/>
+            <a:headEnd/>
+            <a:tailEnd/>
+          </a:ln>
+          <a:effectLst/>
+        </p:spPr>
+      </p:pic>
+      <p:pic>
+        <p:nvPicPr>
+          <p:cNvPr id="1026" name="Picture 2"/>
+          <p:cNvPicPr>
+            <a:picLocks noChangeAspect="1" noChangeArrowheads="1"/>
+          </p:cNvPicPr>
+          <p:nvPr/>
+        </p:nvPicPr>
+        <p:blipFill>
+          <a:blip r:embed="rId5" cstate="print"/>
           <a:srcRect/>
           <a:stretch>
             <a:fillRect/>
@@ -3268,8 +3308,8 @@
         </p:blipFill>
         <p:spPr bwMode="auto">
           <a:xfrm>
-            <a:off x="5029307" y="4374116"/>
-            <a:ext cx="3945728" cy="1981200"/>
+            <a:off x="5595938" y="3613288"/>
+            <a:ext cx="3371850" cy="495300"/>
           </a:xfrm>
           <a:prstGeom prst="rect">
             <a:avLst/>
@@ -3333,7 +3373,7 @@
           <a:p>
             <a:r>
               <a:rPr lang="en-US" altLang="zh-CN" dirty="0" smtClean="0"/>
-              <a:t>Test: Successfully Receive Trigger SMS</a:t>
+              <a:t>System Design: Communication Flow</a:t>
             </a:r>
             <a:endParaRPr lang="zh-CN" altLang="en-US" dirty="0"/>
           </a:p>
@@ -3341,7 +3381,7 @@
       </p:sp>
       <p:pic>
         <p:nvPicPr>
-          <p:cNvPr id="6146" name="Picture 2" descr="C:\workspace\opc_ua\myCode\pic\envelop1.jpg"/>
+          <p:cNvPr id="3" name="Picture 2"/>
           <p:cNvPicPr>
             <a:picLocks noChangeAspect="1" noChangeArrowheads="1"/>
           </p:cNvPicPr>
@@ -3349,25 +3389,32 @@
         </p:nvPicPr>
         <p:blipFill>
           <a:blip r:embed="rId2" cstate="print"/>
-          <a:srcRect/>
+          <a:srcRect r="2335"/>
           <a:stretch>
             <a:fillRect/>
           </a:stretch>
         </p:blipFill>
         <p:spPr bwMode="auto">
           <a:xfrm>
-            <a:off x="215251" y="1065213"/>
-            <a:ext cx="6304819" cy="2958465"/>
+            <a:off x="483163" y="814735"/>
+            <a:ext cx="4993405" cy="5540581"/>
           </a:xfrm>
           <a:prstGeom prst="rect">
             <a:avLst/>
           </a:prstGeom>
           <a:noFill/>
+          <a:ln w="9525">
+            <a:noFill/>
+            <a:miter lim="800000"/>
+            <a:headEnd/>
+            <a:tailEnd/>
+          </a:ln>
+          <a:effectLst/>
         </p:spPr>
       </p:pic>
       <p:pic>
         <p:nvPicPr>
-          <p:cNvPr id="6147" name="Picture 3" descr="C:\workspace\opc_ua\myCode\pic\envelop2.jpg"/>
+          <p:cNvPr id="4098" name="Picture 2"/>
           <p:cNvPicPr>
             <a:picLocks noChangeAspect="1" noChangeArrowheads="1"/>
           </p:cNvPicPr>
@@ -3382,15 +3429,318 @@
         </p:blipFill>
         <p:spPr bwMode="auto">
           <a:xfrm>
-            <a:off x="4060790" y="3551343"/>
-            <a:ext cx="4918559" cy="3120795"/>
+            <a:off x="5347252" y="1481552"/>
+            <a:ext cx="3796748" cy="1628775"/>
           </a:xfrm>
           <a:prstGeom prst="rect">
             <a:avLst/>
           </a:prstGeom>
           <a:noFill/>
+          <a:ln w="9525">
+            <a:noFill/>
+            <a:miter lim="800000"/>
+            <a:headEnd/>
+            <a:tailEnd/>
+          </a:ln>
+          <a:effectLst/>
         </p:spPr>
       </p:pic>
+      <p:pic>
+        <p:nvPicPr>
+          <p:cNvPr id="4099" name="Picture 3"/>
+          <p:cNvPicPr>
+            <a:picLocks noChangeAspect="1" noChangeArrowheads="1"/>
+          </p:cNvPicPr>
+          <p:nvPr/>
+        </p:nvPicPr>
+        <p:blipFill>
+          <a:blip r:embed="rId4" cstate="print"/>
+          <a:srcRect/>
+          <a:stretch>
+            <a:fillRect/>
+          </a:stretch>
+        </p:blipFill>
+        <p:spPr bwMode="auto">
+          <a:xfrm>
+            <a:off x="5029307" y="4374116"/>
+            <a:ext cx="3945728" cy="1981200"/>
+          </a:xfrm>
+          <a:prstGeom prst="rect">
+            <a:avLst/>
+          </a:prstGeom>
+          <a:noFill/>
+          <a:ln w="9525">
+            <a:noFill/>
+            <a:miter lim="800000"/>
+            <a:headEnd/>
+            <a:tailEnd/>
+          </a:ln>
+          <a:effectLst/>
+        </p:spPr>
+      </p:pic>
+      <p:sp>
+        <p:nvSpPr>
+          <p:cNvPr id="4" name="Rechteck 3"/>
+          <p:cNvSpPr/>
+          <p:nvPr/>
+        </p:nvSpPr>
+        <p:spPr>
+          <a:xfrm>
+            <a:off x="1984624" y="834380"/>
+            <a:ext cx="1990481" cy="461665"/>
+          </a:xfrm>
+          <a:prstGeom prst="rect">
+            <a:avLst/>
+          </a:prstGeom>
+          <a:noFill/>
+        </p:spPr>
+        <p:txBody>
+          <a:bodyPr wrap="none" lIns="91440" tIns="45720" rIns="91440" bIns="45720">
+            <a:spAutoFit/>
+            <a:scene3d>
+              <a:camera prst="orthographicFront"/>
+              <a:lightRig rig="glow" dir="tl">
+                <a:rot lat="0" lon="0" rev="5400000"/>
+              </a:lightRig>
+            </a:scene3d>
+            <a:sp3d contourW="12700">
+              <a:bevelT w="25400" h="25400"/>
+              <a:contourClr>
+                <a:schemeClr val="accent6">
+                  <a:shade val="73000"/>
+                </a:schemeClr>
+              </a:contourClr>
+            </a:sp3d>
+          </a:bodyPr>
+          <a:lstStyle/>
+          <a:p>
+            <a:pPr algn="ctr"/>
+            <a:r>
+              <a:rPr lang="en-US" sz="2400" dirty="0" smtClean="0">
+                <a:ln w="11430"/>
+                <a:gradFill>
+                  <a:gsLst>
+                    <a:gs pos="0">
+                      <a:schemeClr val="accent6">
+                        <a:tint val="90000"/>
+                        <a:satMod val="120000"/>
+                      </a:schemeClr>
+                    </a:gs>
+                    <a:gs pos="25000">
+                      <a:schemeClr val="accent6">
+                        <a:tint val="93000"/>
+                        <a:satMod val="120000"/>
+                      </a:schemeClr>
+                    </a:gs>
+                    <a:gs pos="50000">
+                      <a:schemeClr val="accent6">
+                        <a:shade val="89000"/>
+                        <a:satMod val="110000"/>
+                      </a:schemeClr>
+                    </a:gs>
+                    <a:gs pos="75000">
+                      <a:schemeClr val="accent6">
+                        <a:tint val="93000"/>
+                        <a:satMod val="120000"/>
+                      </a:schemeClr>
+                    </a:gs>
+                    <a:gs pos="100000">
+                      <a:schemeClr val="accent6">
+                        <a:tint val="90000"/>
+                        <a:satMod val="120000"/>
+                      </a:schemeClr>
+                    </a:gs>
+                  </a:gsLst>
+                  <a:lin ang="5400000"/>
+                </a:gradFill>
+                <a:effectLst>
+                  <a:outerShdw blurRad="80000" dist="40000" dir="5040000" algn="tl">
+                    <a:srgbClr val="000000">
+                      <a:alpha val="30000"/>
+                    </a:srgbClr>
+                  </a:outerShdw>
+                </a:effectLst>
+              </a:rPr>
+              <a:t>SMS Trigger</a:t>
+            </a:r>
+            <a:endParaRPr lang="de-DE" sz="2400" b="1" cap="none" spc="0" dirty="0">
+              <a:ln w="11430"/>
+              <a:gradFill>
+                <a:gsLst>
+                  <a:gs pos="0">
+                    <a:schemeClr val="accent6">
+                      <a:tint val="90000"/>
+                      <a:satMod val="120000"/>
+                    </a:schemeClr>
+                  </a:gs>
+                  <a:gs pos="25000">
+                    <a:schemeClr val="accent6">
+                      <a:tint val="93000"/>
+                      <a:satMod val="120000"/>
+                    </a:schemeClr>
+                  </a:gs>
+                  <a:gs pos="50000">
+                    <a:schemeClr val="accent6">
+                      <a:shade val="89000"/>
+                      <a:satMod val="110000"/>
+                    </a:schemeClr>
+                  </a:gs>
+                  <a:gs pos="75000">
+                    <a:schemeClr val="accent6">
+                      <a:tint val="93000"/>
+                      <a:satMod val="120000"/>
+                    </a:schemeClr>
+                  </a:gs>
+                  <a:gs pos="100000">
+                    <a:schemeClr val="accent6">
+                      <a:tint val="90000"/>
+                      <a:satMod val="120000"/>
+                    </a:schemeClr>
+                  </a:gs>
+                </a:gsLst>
+                <a:lin ang="5400000"/>
+              </a:gradFill>
+              <a:effectLst>
+                <a:outerShdw blurRad="80000" dist="40000" dir="5040000" algn="tl">
+                  <a:srgbClr val="000000">
+                    <a:alpha val="30000"/>
+                  </a:srgbClr>
+                </a:outerShdw>
+              </a:effectLst>
+            </a:endParaRPr>
+          </a:p>
+        </p:txBody>
+      </p:sp>
+      <p:sp>
+        <p:nvSpPr>
+          <p:cNvPr id="5" name="Pfeil nach rechts 4"/>
+          <p:cNvSpPr/>
+          <p:nvPr/>
+        </p:nvSpPr>
+        <p:spPr bwMode="auto">
+          <a:xfrm>
+            <a:off x="3975105" y="1059271"/>
+            <a:ext cx="300804" cy="119154"/>
+          </a:xfrm>
+          <a:prstGeom prst="rightArrow">
+            <a:avLst/>
+          </a:prstGeom>
+          <a:solidFill>
+            <a:schemeClr val="accent1"/>
+          </a:solidFill>
+          <a:ln w="9525" cap="flat" cmpd="sng" algn="ctr">
+            <a:solidFill>
+              <a:schemeClr val="tx1"/>
+            </a:solidFill>
+            <a:prstDash val="solid"/>
+            <a:round/>
+            <a:headEnd type="none" w="med" len="med"/>
+            <a:tailEnd type="none" w="med" len="med"/>
+          </a:ln>
+          <a:effectLst/>
+        </p:spPr>
+        <p:txBody>
+          <a:bodyPr vert="horz" wrap="square" lIns="91440" tIns="45720" rIns="91440" bIns="45720" numCol="1" rtlCol="0" anchor="t" anchorCtr="0" compatLnSpc="1">
+            <a:prstTxWarp prst="textNoShape">
+              <a:avLst/>
+            </a:prstTxWarp>
+          </a:bodyPr>
+          <a:lstStyle/>
+          <a:p>
+            <a:pPr marL="0" marR="0" indent="0" algn="l" defTabSz="914400" rtl="0" eaLnBrk="1" fontAlgn="base" latinLnBrk="0" hangingPunct="1">
+              <a:lnSpc>
+                <a:spcPct val="100000"/>
+              </a:lnSpc>
+              <a:spcBef>
+                <a:spcPct val="0"/>
+              </a:spcBef>
+              <a:spcAft>
+                <a:spcPct val="0"/>
+              </a:spcAft>
+              <a:buClrTx/>
+              <a:buSzTx/>
+              <a:buFontTx/>
+              <a:buNone/>
+              <a:tabLst/>
+            </a:pPr>
+            <a:endParaRPr kumimoji="0" lang="de-DE" sz="2000" b="1" i="1" u="none" strike="noStrike" cap="none" normalizeH="0" baseline="0" smtClean="0">
+              <a:ln>
+                <a:noFill/>
+              </a:ln>
+              <a:solidFill>
+                <a:srgbClr val="0768B2"/>
+              </a:solidFill>
+              <a:effectLst/>
+              <a:latin typeface="Arial" charset="0"/>
+            </a:endParaRPr>
+          </a:p>
+        </p:txBody>
+      </p:sp>
+      <p:sp>
+        <p:nvSpPr>
+          <p:cNvPr id="8" name="Pfeil nach rechts 7"/>
+          <p:cNvSpPr/>
+          <p:nvPr/>
+        </p:nvSpPr>
+        <p:spPr bwMode="auto">
+          <a:xfrm>
+            <a:off x="1683820" y="1059068"/>
+            <a:ext cx="300804" cy="119154"/>
+          </a:xfrm>
+          <a:prstGeom prst="rightArrow">
+            <a:avLst/>
+          </a:prstGeom>
+          <a:solidFill>
+            <a:schemeClr val="accent1"/>
+          </a:solidFill>
+          <a:ln w="9525" cap="flat" cmpd="sng" algn="ctr">
+            <a:solidFill>
+              <a:schemeClr val="tx1"/>
+            </a:solidFill>
+            <a:prstDash val="solid"/>
+            <a:round/>
+            <a:headEnd type="none" w="med" len="med"/>
+            <a:tailEnd type="none" w="med" len="med"/>
+          </a:ln>
+          <a:effectLst/>
+        </p:spPr>
+        <p:txBody>
+          <a:bodyPr vert="horz" wrap="square" lIns="91440" tIns="45720" rIns="91440" bIns="45720" numCol="1" rtlCol="0" anchor="t" anchorCtr="0" compatLnSpc="1">
+            <a:prstTxWarp prst="textNoShape">
+              <a:avLst/>
+            </a:prstTxWarp>
+          </a:bodyPr>
+          <a:lstStyle/>
+          <a:p>
+            <a:pPr marL="0" marR="0" indent="0" algn="l" defTabSz="914400" rtl="0" eaLnBrk="1" fontAlgn="base" latinLnBrk="0" hangingPunct="1">
+              <a:lnSpc>
+                <a:spcPct val="100000"/>
+              </a:lnSpc>
+              <a:spcBef>
+                <a:spcPct val="0"/>
+              </a:spcBef>
+              <a:spcAft>
+                <a:spcPct val="0"/>
+              </a:spcAft>
+              <a:buClrTx/>
+              <a:buSzTx/>
+              <a:buFontTx/>
+              <a:buNone/>
+              <a:tabLst/>
+            </a:pPr>
+            <a:endParaRPr kumimoji="0" lang="de-DE" sz="2000" b="1" i="1" u="none" strike="noStrike" cap="none" normalizeH="0" baseline="0" smtClean="0">
+              <a:ln>
+                <a:noFill/>
+              </a:ln>
+              <a:solidFill>
+                <a:srgbClr val="0768B2"/>
+              </a:solidFill>
+              <a:effectLst/>
+              <a:latin typeface="Arial" charset="0"/>
+            </a:endParaRPr>
+          </a:p>
+        </p:txBody>
+      </p:sp>
     </p:spTree>
   </p:cSld>
   <p:clrMapOvr>
@@ -3448,7 +3798,7 @@
       </p:sp>
       <p:pic>
         <p:nvPicPr>
-          <p:cNvPr id="2050" name="Picture 2" descr="C:\workspace\opc_ua\myCode\pic\pushSMS.jpg"/>
+          <p:cNvPr id="6146" name="Picture 2" descr="C:\workspace\opc_ua\myCode\pic\envelop1.jpg"/>
           <p:cNvPicPr>
             <a:picLocks noChangeAspect="1" noChangeArrowheads="1"/>
           </p:cNvPicPr>
@@ -3463,8 +3813,8 @@
         </p:blipFill>
         <p:spPr bwMode="auto">
           <a:xfrm>
-            <a:off x="287888" y="1197182"/>
-            <a:ext cx="5894250" cy="5327289"/>
+            <a:off x="215251" y="1065213"/>
+            <a:ext cx="6304819" cy="2958465"/>
           </a:xfrm>
           <a:prstGeom prst="rect">
             <a:avLst/>
@@ -3474,7 +3824,7 @@
       </p:pic>
       <p:pic>
         <p:nvPicPr>
-          <p:cNvPr id="2051" name="Picture 3" descr="C:\workspace\opc_ua\myCode\pic\scdlOverview.jpg"/>
+          <p:cNvPr id="6147" name="Picture 3" descr="C:\workspace\opc_ua\myCode\pic\envelop2.jpg"/>
           <p:cNvPicPr>
             <a:picLocks noChangeAspect="1" noChangeArrowheads="1"/>
           </p:cNvPicPr>
@@ -3489,8 +3839,8 @@
         </p:blipFill>
         <p:spPr bwMode="auto">
           <a:xfrm>
-            <a:off x="5595939" y="1197182"/>
-            <a:ext cx="3548062" cy="5525880"/>
+            <a:off x="4060790" y="3551343"/>
+            <a:ext cx="4918559" cy="3120795"/>
           </a:xfrm>
           <a:prstGeom prst="rect">
             <a:avLst/>
@@ -3547,7 +3897,7 @@
           <a:p>
             <a:r>
               <a:rPr lang="en-US" altLang="zh-CN" dirty="0" smtClean="0"/>
-              <a:t>Test: Client Hallo and Server Hallo</a:t>
+              <a:t>Test: Successfully Receive Trigger SMS</a:t>
             </a:r>
             <a:endParaRPr lang="zh-CN" altLang="en-US" dirty="0"/>
           </a:p>
@@ -3555,7 +3905,7 @@
       </p:sp>
       <p:pic>
         <p:nvPicPr>
-          <p:cNvPr id="7170" name="Picture 2" descr="C:\workspace\opc_ua\myCode\pic\clientHallo.jpg"/>
+          <p:cNvPr id="2050" name="Picture 2" descr="C:\workspace\opc_ua\myCode\pic\pushSMS.jpg"/>
           <p:cNvPicPr>
             <a:picLocks noChangeAspect="1" noChangeArrowheads="1"/>
           </p:cNvPicPr>
@@ -3570,8 +3920,8 @@
         </p:blipFill>
         <p:spPr bwMode="auto">
           <a:xfrm>
-            <a:off x="216384" y="995640"/>
-            <a:ext cx="8124826" cy="2981325"/>
+            <a:off x="287888" y="1197182"/>
+            <a:ext cx="5894250" cy="5327289"/>
           </a:xfrm>
           <a:prstGeom prst="rect">
             <a:avLst/>
@@ -3581,7 +3931,7 @@
       </p:pic>
       <p:pic>
         <p:nvPicPr>
-          <p:cNvPr id="7171" name="Picture 3" descr="C:\workspace\opc_ua\myCode\pic\ServerHallo.jpg"/>
+          <p:cNvPr id="2051" name="Picture 3" descr="C:\workspace\opc_ua\myCode\pic\scdlOverview.jpg"/>
           <p:cNvPicPr>
             <a:picLocks noChangeAspect="1" noChangeArrowheads="1"/>
           </p:cNvPicPr>
@@ -3596,8 +3946,8 @@
         </p:blipFill>
         <p:spPr bwMode="auto">
           <a:xfrm>
-            <a:off x="3362325" y="3976965"/>
-            <a:ext cx="5781675" cy="2670174"/>
+            <a:off x="5595939" y="1197182"/>
+            <a:ext cx="3548062" cy="5525880"/>
           </a:xfrm>
           <a:prstGeom prst="rect">
             <a:avLst/>
@@ -3605,6 +3955,201 @@
           <a:noFill/>
         </p:spPr>
       </p:pic>
+      <p:sp>
+        <p:nvSpPr>
+          <p:cNvPr id="6" name="Rechteck 5"/>
+          <p:cNvSpPr/>
+          <p:nvPr/>
+        </p:nvSpPr>
+        <p:spPr bwMode="auto">
+          <a:xfrm>
+            <a:off x="173736" y="1554480"/>
+            <a:ext cx="3877056" cy="1499616"/>
+          </a:xfrm>
+          <a:prstGeom prst="rect">
+            <a:avLst/>
+          </a:prstGeom>
+          <a:noFill/>
+          <a:ln w="50800" cap="flat" cmpd="sng" algn="ctr">
+            <a:solidFill>
+              <a:srgbClr val="FFFF00">
+                <a:alpha val="49000"/>
+              </a:srgbClr>
+            </a:solidFill>
+            <a:prstDash val="solid"/>
+            <a:round/>
+            <a:headEnd type="none" w="med" len="med"/>
+            <a:tailEnd type="none" w="med" len="med"/>
+          </a:ln>
+          <a:effectLst/>
+        </p:spPr>
+        <p:txBody>
+          <a:bodyPr vert="horz" wrap="square" lIns="91440" tIns="45720" rIns="91440" bIns="45720" numCol="1" rtlCol="0" anchor="t" anchorCtr="0" compatLnSpc="1">
+            <a:prstTxWarp prst="textNoShape">
+              <a:avLst/>
+            </a:prstTxWarp>
+          </a:bodyPr>
+          <a:lstStyle/>
+          <a:p>
+            <a:pPr marL="0" marR="0" indent="0" algn="l" defTabSz="914400" rtl="0" eaLnBrk="1" fontAlgn="base" latinLnBrk="0" hangingPunct="1">
+              <a:lnSpc>
+                <a:spcPct val="100000"/>
+              </a:lnSpc>
+              <a:spcBef>
+                <a:spcPct val="0"/>
+              </a:spcBef>
+              <a:spcAft>
+                <a:spcPct val="0"/>
+              </a:spcAft>
+              <a:buClrTx/>
+              <a:buSzTx/>
+              <a:buFontTx/>
+              <a:buNone/>
+              <a:tabLst/>
+            </a:pPr>
+            <a:endParaRPr kumimoji="0" lang="de-DE" sz="2000" b="1" i="1" u="none" strike="noStrike" cap="none" normalizeH="0" baseline="0" smtClean="0">
+              <a:ln>
+                <a:noFill/>
+              </a:ln>
+              <a:solidFill>
+                <a:srgbClr val="0768B2"/>
+              </a:solidFill>
+              <a:effectLst/>
+              <a:latin typeface="Arial" charset="0"/>
+            </a:endParaRPr>
+          </a:p>
+        </p:txBody>
+      </p:sp>
+      <p:sp>
+        <p:nvSpPr>
+          <p:cNvPr id="7" name="Rechteck 6"/>
+          <p:cNvSpPr/>
+          <p:nvPr/>
+        </p:nvSpPr>
+        <p:spPr bwMode="auto">
+          <a:xfrm>
+            <a:off x="5943600" y="2240280"/>
+            <a:ext cx="2093976" cy="402336"/>
+          </a:xfrm>
+          <a:prstGeom prst="rect">
+            <a:avLst/>
+          </a:prstGeom>
+          <a:noFill/>
+          <a:ln w="50800" cap="flat" cmpd="sng" algn="ctr">
+            <a:solidFill>
+              <a:srgbClr val="FFFF00">
+                <a:alpha val="49000"/>
+              </a:srgbClr>
+            </a:solidFill>
+            <a:prstDash val="solid"/>
+            <a:round/>
+            <a:headEnd type="none" w="med" len="med"/>
+            <a:tailEnd type="none" w="med" len="med"/>
+          </a:ln>
+          <a:effectLst/>
+        </p:spPr>
+        <p:txBody>
+          <a:bodyPr vert="horz" wrap="square" lIns="91440" tIns="45720" rIns="91440" bIns="45720" numCol="1" rtlCol="0" anchor="t" anchorCtr="0" compatLnSpc="1">
+            <a:prstTxWarp prst="textNoShape">
+              <a:avLst/>
+            </a:prstTxWarp>
+          </a:bodyPr>
+          <a:lstStyle/>
+          <a:p>
+            <a:pPr marL="0" marR="0" indent="0" algn="l" defTabSz="914400" rtl="0" eaLnBrk="1" fontAlgn="base" latinLnBrk="0" hangingPunct="1">
+              <a:lnSpc>
+                <a:spcPct val="100000"/>
+              </a:lnSpc>
+              <a:spcBef>
+                <a:spcPct val="0"/>
+              </a:spcBef>
+              <a:spcAft>
+                <a:spcPct val="0"/>
+              </a:spcAft>
+              <a:buClrTx/>
+              <a:buSzTx/>
+              <a:buFontTx/>
+              <a:buNone/>
+              <a:tabLst/>
+            </a:pPr>
+            <a:endParaRPr kumimoji="0" lang="de-DE" sz="2000" b="1" i="1" u="none" strike="noStrike" cap="none" normalizeH="0" baseline="0" smtClean="0">
+              <a:ln>
+                <a:noFill/>
+              </a:ln>
+              <a:solidFill>
+                <a:srgbClr val="0768B2"/>
+              </a:solidFill>
+              <a:effectLst/>
+              <a:latin typeface="Arial" charset="0"/>
+            </a:endParaRPr>
+          </a:p>
+        </p:txBody>
+      </p:sp>
+      <p:sp>
+        <p:nvSpPr>
+          <p:cNvPr id="9" name="Rechteck 8"/>
+          <p:cNvSpPr/>
+          <p:nvPr/>
+        </p:nvSpPr>
+        <p:spPr bwMode="auto">
+          <a:xfrm>
+            <a:off x="210312" y="4608576"/>
+            <a:ext cx="2834640" cy="566928"/>
+          </a:xfrm>
+          <a:prstGeom prst="rect">
+            <a:avLst/>
+          </a:prstGeom>
+          <a:noFill/>
+          <a:ln w="50800" cap="flat" cmpd="sng" algn="ctr">
+            <a:solidFill>
+              <a:srgbClr val="FFFF00">
+                <a:alpha val="49000"/>
+              </a:srgbClr>
+            </a:solidFill>
+            <a:prstDash val="solid"/>
+            <a:round/>
+            <a:headEnd type="none" w="med" len="med"/>
+            <a:tailEnd type="none" w="med" len="med"/>
+          </a:ln>
+          <a:effectLst/>
+        </p:spPr>
+        <p:txBody>
+          <a:bodyPr vert="horz" wrap="square" lIns="91440" tIns="45720" rIns="91440" bIns="45720" numCol="1" rtlCol="0" anchor="t" anchorCtr="0" compatLnSpc="1">
+            <a:prstTxWarp prst="textNoShape">
+              <a:avLst/>
+            </a:prstTxWarp>
+          </a:bodyPr>
+          <a:lstStyle/>
+          <a:p>
+            <a:pPr marL="0" marR="0" indent="0" algn="l" defTabSz="914400" rtl="0" eaLnBrk="1" fontAlgn="base" latinLnBrk="0" hangingPunct="1">
+              <a:lnSpc>
+                <a:spcPct val="100000"/>
+              </a:lnSpc>
+              <a:spcBef>
+                <a:spcPct val="0"/>
+              </a:spcBef>
+              <a:spcAft>
+                <a:spcPct val="0"/>
+              </a:spcAft>
+              <a:buClrTx/>
+              <a:buSzTx/>
+              <a:buFontTx/>
+              <a:buNone/>
+              <a:tabLst/>
+            </a:pPr>
+            <a:endParaRPr kumimoji="0" lang="de-DE" sz="2000" b="1" i="1" u="none" strike="noStrike" cap="none" normalizeH="0" baseline="0" smtClean="0">
+              <a:ln>
+                <a:noFill/>
+              </a:ln>
+              <a:solidFill>
+                <a:srgbClr val="0768B2"/>
+              </a:solidFill>
+              <a:effectLst/>
+              <a:latin typeface="Arial" charset="0"/>
+            </a:endParaRPr>
+          </a:p>
+        </p:txBody>
+      </p:sp>
     </p:spTree>
   </p:cSld>
   <p:clrMapOvr>
@@ -3653,16 +4198,16 @@
           <a:lstStyle/>
           <a:p>
             <a:r>
-              <a:rPr lang="en-US" altLang="zh-CN" sz="1600" dirty="0" smtClean="0"/>
-              <a:t>Test: Successfully Generate MK and Close Channel</a:t>
-            </a:r>
-            <a:endParaRPr lang="zh-CN" altLang="en-US" sz="1600" dirty="0"/>
+              <a:rPr lang="en-US" altLang="zh-CN" dirty="0" smtClean="0"/>
+              <a:t>Test: Client Hallo and Server Hallo</a:t>
+            </a:r>
+            <a:endParaRPr lang="zh-CN" altLang="en-US" dirty="0"/>
           </a:p>
         </p:txBody>
       </p:sp>
       <p:pic>
         <p:nvPicPr>
-          <p:cNvPr id="8194" name="Picture 2" descr="C:\workspace\opc_ua\myCode\pic\closeChannelResult.jpg"/>
+          <p:cNvPr id="7170" name="Picture 2" descr="C:\workspace\opc_ua\myCode\pic\clientHallo.jpg"/>
           <p:cNvPicPr>
             <a:picLocks noChangeAspect="1" noChangeArrowheads="1"/>
           </p:cNvPicPr>
@@ -3677,8 +4222,8 @@
         </p:blipFill>
         <p:spPr bwMode="auto">
           <a:xfrm>
-            <a:off x="328613" y="3384336"/>
-            <a:ext cx="4313789" cy="3151484"/>
+            <a:off x="216384" y="995640"/>
+            <a:ext cx="8124826" cy="2981325"/>
           </a:xfrm>
           <a:prstGeom prst="rect">
             <a:avLst/>
@@ -3688,7 +4233,7 @@
       </p:pic>
       <p:pic>
         <p:nvPicPr>
-          <p:cNvPr id="8195" name="Picture 3" descr="C:\workspace\opc_ua\myCode\pic\generationOfMK.jpg"/>
+          <p:cNvPr id="7171" name="Picture 3" descr="C:\workspace\opc_ua\myCode\pic\ServerHallo.jpg"/>
           <p:cNvPicPr>
             <a:picLocks noChangeAspect="1" noChangeArrowheads="1"/>
           </p:cNvPicPr>
@@ -3703,8 +4248,8 @@
         </p:blipFill>
         <p:spPr bwMode="auto">
           <a:xfrm>
-            <a:off x="328613" y="1065213"/>
-            <a:ext cx="8201025" cy="1847850"/>
+            <a:off x="3362325" y="3976965"/>
+            <a:ext cx="5781675" cy="2670174"/>
           </a:xfrm>
           <a:prstGeom prst="rect">
             <a:avLst/>
@@ -3712,6 +4257,71 @@
           <a:noFill/>
         </p:spPr>
       </p:pic>
+      <p:sp>
+        <p:nvSpPr>
+          <p:cNvPr id="5" name="Rechteck 4"/>
+          <p:cNvSpPr/>
+          <p:nvPr/>
+        </p:nvSpPr>
+        <p:spPr bwMode="auto">
+          <a:xfrm>
+            <a:off x="3563492" y="4590288"/>
+            <a:ext cx="5498211" cy="996696"/>
+          </a:xfrm>
+          <a:prstGeom prst="rect">
+            <a:avLst/>
+          </a:prstGeom>
+          <a:noFill/>
+          <a:ln w="50800" cap="flat" cmpd="sng" algn="ctr">
+            <a:solidFill>
+              <a:srgbClr val="FFFF00">
+                <a:alpha val="49000"/>
+              </a:srgbClr>
+            </a:solidFill>
+            <a:prstDash val="solid"/>
+            <a:round/>
+            <a:headEnd type="none" w="med" len="med"/>
+            <a:tailEnd type="none" w="med" len="med"/>
+          </a:ln>
+          <a:effectLst/>
+        </p:spPr>
+        <p:txBody>
+          <a:bodyPr vert="horz" wrap="square" lIns="91440" tIns="45720" rIns="91440" bIns="45720" numCol="1" rtlCol="0" anchor="t" anchorCtr="0" compatLnSpc="1">
+            <a:prstTxWarp prst="textNoShape">
+              <a:avLst/>
+            </a:prstTxWarp>
+          </a:bodyPr>
+          <a:lstStyle/>
+          <a:p>
+            <a:pPr marL="0" marR="0" indent="0" algn="l" defTabSz="914400" rtl="0" eaLnBrk="1" fontAlgn="base" latinLnBrk="0" hangingPunct="1">
+              <a:lnSpc>
+                <a:spcPct val="100000"/>
+              </a:lnSpc>
+              <a:spcBef>
+                <a:spcPct val="0"/>
+              </a:spcBef>
+              <a:spcAft>
+                <a:spcPct val="0"/>
+              </a:spcAft>
+              <a:buClrTx/>
+              <a:buSzTx/>
+              <a:buFontTx/>
+              <a:buNone/>
+              <a:tabLst/>
+            </a:pPr>
+            <a:endParaRPr kumimoji="0" lang="de-DE" sz="2000" b="1" i="1" u="none" strike="noStrike" cap="none" normalizeH="0" baseline="0" smtClean="0">
+              <a:ln>
+                <a:noFill/>
+              </a:ln>
+              <a:solidFill>
+                <a:srgbClr val="0768B2"/>
+              </a:solidFill>
+              <a:effectLst/>
+              <a:latin typeface="Arial" charset="0"/>
+            </a:endParaRPr>
+          </a:p>
+        </p:txBody>
+      </p:sp>
     </p:spTree>
   </p:cSld>
   <p:clrMapOvr>
@@ -3746,7 +4356,7 @@
       </p:grpSpPr>
       <p:sp>
         <p:nvSpPr>
-          <p:cNvPr id="2" name="Title 1"/>
+          <p:cNvPr id="2" name="标题 1"/>
           <p:cNvSpPr>
             <a:spLocks noGrp="1"/>
           </p:cNvSpPr>
@@ -3760,242 +4370,77 @@
           <a:lstStyle/>
           <a:p>
             <a:r>
-              <a:rPr lang="en-GB" dirty="0" smtClean="0"/>
-              <a:t>Security Concerns</a:t>
-            </a:r>
-            <a:endParaRPr lang="en-US" dirty="0"/>
-          </a:p>
-        </p:txBody>
-      </p:sp>
-      <p:sp>
-        <p:nvSpPr>
-          <p:cNvPr id="3" name="Content Placeholder 2"/>
-          <p:cNvSpPr>
-            <a:spLocks noGrp="1"/>
-          </p:cNvSpPr>
-          <p:nvPr>
-            <p:ph idx="1"/>
-          </p:nvPr>
-        </p:nvSpPr>
-        <p:spPr>
+              <a:rPr lang="en-US" altLang="zh-CN" sz="1600" dirty="0" smtClean="0"/>
+              <a:t>Test: Successfully Generate MK and Close Channel</a:t>
+            </a:r>
+            <a:endParaRPr lang="zh-CN" altLang="en-US" sz="1600" dirty="0"/>
+          </a:p>
+        </p:txBody>
+      </p:sp>
+      <p:pic>
+        <p:nvPicPr>
+          <p:cNvPr id="8194" name="Picture 2" descr="C:\workspace\opc_ua\myCode\pic\closeChannelResult.jpg"/>
+          <p:cNvPicPr>
+            <a:picLocks noChangeAspect="1" noChangeArrowheads="1"/>
+          </p:cNvPicPr>
+          <p:nvPr/>
+        </p:nvPicPr>
+        <p:blipFill>
+          <a:blip r:embed="rId2" cstate="print"/>
+          <a:srcRect/>
+          <a:stretch>
+            <a:fillRect/>
+          </a:stretch>
+        </p:blipFill>
+        <p:spPr bwMode="auto">
           <a:xfrm>
-            <a:off x="457200" y="1065213"/>
-            <a:ext cx="8447314" cy="5056187"/>
-          </a:xfrm>
-        </p:spPr>
-        <p:txBody>
-          <a:bodyPr/>
-          <a:lstStyle/>
-          <a:p>
-            <a:r>
-              <a:rPr lang="en-GB" dirty="0" smtClean="0"/>
-              <a:t>Overall System Design Security Concerns:</a:t>
-            </a:r>
-          </a:p>
-          <a:p>
-            <a:pPr lvl="1"/>
-            <a:r>
-              <a:rPr lang="en-GB" dirty="0" smtClean="0"/>
-              <a:t>Authorization, Confidentiality, integrity and etc.</a:t>
-            </a:r>
-          </a:p>
-          <a:p>
-            <a:pPr lvl="1"/>
-            <a:r>
-              <a:rPr lang="en-GB" dirty="0" smtClean="0"/>
-              <a:t>Traceability</a:t>
-            </a:r>
-          </a:p>
-          <a:p>
-            <a:pPr lvl="1"/>
-            <a:r>
-              <a:rPr lang="en-GB" dirty="0" smtClean="0"/>
-              <a:t>Appropriate Timeouts</a:t>
-            </a:r>
-          </a:p>
-          <a:p>
-            <a:pPr lvl="1"/>
-            <a:r>
-              <a:rPr lang="en-GB" dirty="0" smtClean="0"/>
-              <a:t>Rate Limiting and Flow Control</a:t>
-            </a:r>
-          </a:p>
-          <a:p>
-            <a:pPr lvl="1"/>
-            <a:r>
-              <a:rPr lang="en-GB" dirty="0" smtClean="0"/>
-              <a:t>Random Number Generation</a:t>
-            </a:r>
-          </a:p>
-          <a:p>
-            <a:r>
-              <a:rPr lang="en-GB" dirty="0" smtClean="0"/>
-              <a:t>CAD-Applet Security:</a:t>
-            </a:r>
-            <a:endParaRPr lang="en-US" dirty="0" smtClean="0"/>
-          </a:p>
-          <a:p>
-            <a:pPr lvl="1"/>
-            <a:r>
-              <a:rPr lang="en-GB" dirty="0" smtClean="0"/>
-              <a:t>Authentication: SE Access Control from </a:t>
-            </a:r>
-            <a:r>
-              <a:rPr lang="en-GB" dirty="0" err="1" smtClean="0"/>
-              <a:t>GlobalPlatform</a:t>
-            </a:r>
-            <a:endParaRPr lang="en-GB" dirty="0" smtClean="0"/>
-          </a:p>
-          <a:p>
-            <a:pPr lvl="1"/>
-            <a:r>
-              <a:rPr lang="en-GB" dirty="0" smtClean="0"/>
-              <a:t>Secure Messaging: </a:t>
-            </a:r>
-            <a:r>
-              <a:rPr lang="en-GB" dirty="0" err="1" smtClean="0"/>
-              <a:t>OpenMobile</a:t>
-            </a:r>
-            <a:r>
-              <a:rPr lang="en-GB" dirty="0" smtClean="0"/>
-              <a:t> API</a:t>
-            </a:r>
-          </a:p>
-          <a:p>
-            <a:r>
-              <a:rPr lang="en-GB" dirty="0" err="1" smtClean="0"/>
-              <a:t>Appelt-Appelt</a:t>
-            </a:r>
-            <a:r>
-              <a:rPr lang="en-GB" dirty="0" smtClean="0"/>
-              <a:t> Security:</a:t>
-            </a:r>
-          </a:p>
-          <a:p>
-            <a:pPr lvl="1"/>
-            <a:r>
-              <a:rPr lang="en-GB" dirty="0" smtClean="0"/>
-              <a:t>RAM/RFM standard from </a:t>
-            </a:r>
-            <a:r>
-              <a:rPr lang="en-GB" dirty="0" err="1" smtClean="0"/>
-              <a:t>GlobalPlatform</a:t>
-            </a:r>
-            <a:endParaRPr lang="en-GB" dirty="0" smtClean="0"/>
-          </a:p>
-          <a:p>
-            <a:pPr lvl="1"/>
-            <a:r>
-              <a:rPr lang="en-GB" dirty="0" smtClean="0"/>
-              <a:t>TLS1.2 based communication </a:t>
-            </a:r>
-            <a:r>
-              <a:rPr lang="en-GB" dirty="0" smtClean="0"/>
-              <a:t>session</a:t>
-            </a:r>
-          </a:p>
-          <a:p>
-            <a:pPr lvl="1"/>
-            <a:r>
-              <a:rPr lang="en-GB" dirty="0" smtClean="0"/>
-              <a:t>PKI</a:t>
-            </a:r>
-            <a:endParaRPr lang="en-GB" dirty="0" smtClean="0"/>
-          </a:p>
-          <a:p>
-            <a:pPr lvl="1"/>
-            <a:endParaRPr lang="en-GB" dirty="0" smtClean="0"/>
-          </a:p>
-          <a:p>
-            <a:pPr>
-              <a:buNone/>
-            </a:pPr>
-            <a:endParaRPr lang="en-GB" dirty="0" smtClean="0"/>
-          </a:p>
-          <a:p>
-            <a:pPr>
-              <a:buNone/>
-            </a:pPr>
-            <a:endParaRPr lang="en-GB" dirty="0" smtClean="0"/>
-          </a:p>
-        </p:txBody>
-      </p:sp>
-      <p:sp>
-        <p:nvSpPr>
-          <p:cNvPr id="4" name="Slide Number Placeholder 3"/>
-          <p:cNvSpPr>
-            <a:spLocks noGrp="1"/>
-          </p:cNvSpPr>
-          <p:nvPr>
-            <p:ph type="sldNum" sz="quarter" idx="10"/>
-          </p:nvPr>
-        </p:nvSpPr>
-        <p:spPr/>
-        <p:txBody>
-          <a:bodyPr/>
-          <a:lstStyle/>
-          <a:p>
-            <a:fld id="{FAF38CBB-378C-4311-BC9A-BAB83E9729AD}" type="slidenum">
-              <a:rPr lang="en-US" smtClean="0"/>
-              <a:pPr/>
-              <a:t>15</a:t>
-            </a:fld>
-            <a:endParaRPr lang="en-US"/>
-          </a:p>
-        </p:txBody>
-      </p:sp>
-      <p:sp>
-        <p:nvSpPr>
-          <p:cNvPr id="5" name="Footer Placeholder 4"/>
-          <p:cNvSpPr>
-            <a:spLocks noGrp="1"/>
-          </p:cNvSpPr>
-          <p:nvPr>
-            <p:ph type="ftr" sz="quarter" idx="11"/>
-          </p:nvPr>
-        </p:nvSpPr>
-        <p:spPr/>
-        <p:txBody>
-          <a:bodyPr/>
-          <a:lstStyle/>
-          <a:p>
-            <a:r>
-              <a:rPr lang="en-US" altLang="zh-CN" dirty="0" smtClean="0"/>
-              <a:t>OPC UA on Secure Device Yuankui Wang</a:t>
-            </a:r>
-            <a:endParaRPr lang="en-US" altLang="zh-CN" dirty="0"/>
-          </a:p>
-        </p:txBody>
-      </p:sp>
-      <p:sp>
-        <p:nvSpPr>
-          <p:cNvPr id="6" name="Date Placeholder 5"/>
-          <p:cNvSpPr>
-            <a:spLocks noGrp="1"/>
-          </p:cNvSpPr>
-          <p:nvPr>
-            <p:ph type="dt" sz="half" idx="12"/>
-          </p:nvPr>
-        </p:nvSpPr>
-        <p:spPr/>
-        <p:txBody>
-          <a:bodyPr/>
-          <a:lstStyle/>
-          <a:p>
-            <a:fld id="{D9CB193C-FC74-4279-8388-9DD1BFD58DB8}" type="datetime4">
-              <a:rPr lang="en-US" smtClean="0"/>
-              <a:pPr/>
-              <a:t>July 24, 2014</a:t>
-            </a:fld>
-            <a:endParaRPr lang="en-US"/>
-          </a:p>
-        </p:txBody>
-      </p:sp>
+            <a:off x="328613" y="3384336"/>
+            <a:ext cx="4313789" cy="3151484"/>
+          </a:xfrm>
+          <a:prstGeom prst="rect">
+            <a:avLst/>
+          </a:prstGeom>
+          <a:noFill/>
+        </p:spPr>
+      </p:pic>
+      <p:pic>
+        <p:nvPicPr>
+          <p:cNvPr id="8195" name="Picture 3" descr="C:\workspace\opc_ua\myCode\pic\generationOfMK.jpg"/>
+          <p:cNvPicPr>
+            <a:picLocks noChangeAspect="1" noChangeArrowheads="1"/>
+          </p:cNvPicPr>
+          <p:nvPr/>
+        </p:nvPicPr>
+        <p:blipFill>
+          <a:blip r:embed="rId3" cstate="print"/>
+          <a:srcRect/>
+          <a:stretch>
+            <a:fillRect/>
+          </a:stretch>
+        </p:blipFill>
+        <p:spPr bwMode="auto">
+          <a:xfrm>
+            <a:off x="328613" y="1065213"/>
+            <a:ext cx="8201025" cy="1847850"/>
+          </a:xfrm>
+          <a:prstGeom prst="rect">
+            <a:avLst/>
+          </a:prstGeom>
+          <a:noFill/>
+        </p:spPr>
+      </p:pic>
     </p:spTree>
   </p:cSld>
   <p:clrMapOvr>
     <a:masterClrMapping/>
   </p:clrMapOvr>
+  <p:timing>
+    <p:tnLst>
+      <p:par>
+        <p:cTn id="1" dur="indefinite" restart="never" nodeType="tmRoot"/>
+      </p:par>
+    </p:tnLst>
+  </p:timing>
 </p:sld>
 </file>
 
@@ -4018,12 +4463,12 @@
       </p:grpSpPr>
       <p:sp>
         <p:nvSpPr>
-          <p:cNvPr id="8" name="副标题 7"/>
+          <p:cNvPr id="2" name="Title 1"/>
           <p:cNvSpPr>
             <a:spLocks noGrp="1"/>
           </p:cNvSpPr>
           <p:nvPr>
-            <p:ph type="subTitle" idx="1"/>
+            <p:ph type="title"/>
           </p:nvPr>
         </p:nvSpPr>
         <p:spPr/>
@@ -4031,18 +4476,170 @@
           <a:bodyPr/>
           <a:lstStyle/>
           <a:p>
-            <a:endParaRPr lang="zh-CN" altLang="en-US"/>
-          </a:p>
-        </p:txBody>
-      </p:sp>
-      <p:sp>
-        <p:nvSpPr>
-          <p:cNvPr id="4" name="灯片编号占位符 3"/>
+            <a:r>
+              <a:rPr lang="en-GB" dirty="0" smtClean="0"/>
+              <a:t>Security Concerns</a:t>
+            </a:r>
+            <a:endParaRPr lang="en-US" dirty="0"/>
+          </a:p>
+        </p:txBody>
+      </p:sp>
+      <p:sp>
+        <p:nvSpPr>
+          <p:cNvPr id="3" name="Content Placeholder 2"/>
           <p:cNvSpPr>
             <a:spLocks noGrp="1"/>
           </p:cNvSpPr>
           <p:nvPr>
-            <p:ph type="sldNum" sz="quarter" idx="4"/>
+            <p:ph idx="1"/>
+          </p:nvPr>
+        </p:nvSpPr>
+        <p:spPr>
+          <a:xfrm>
+            <a:off x="457200" y="1065213"/>
+            <a:ext cx="8447314" cy="5056187"/>
+          </a:xfrm>
+        </p:spPr>
+        <p:txBody>
+          <a:bodyPr/>
+          <a:lstStyle/>
+          <a:p>
+            <a:r>
+              <a:rPr lang="en-GB" dirty="0" smtClean="0"/>
+              <a:t>Overall System Design Security Concerns:</a:t>
+            </a:r>
+          </a:p>
+          <a:p>
+            <a:pPr lvl="1"/>
+            <a:r>
+              <a:rPr lang="en-GB" dirty="0" smtClean="0"/>
+              <a:t>Authorization, Confidentiality, integrity and etc.</a:t>
+            </a:r>
+          </a:p>
+          <a:p>
+            <a:pPr lvl="1"/>
+            <a:r>
+              <a:rPr lang="en-GB" dirty="0" smtClean="0"/>
+              <a:t>Traceability</a:t>
+            </a:r>
+          </a:p>
+          <a:p>
+            <a:pPr lvl="1"/>
+            <a:r>
+              <a:rPr lang="en-GB" dirty="0" smtClean="0"/>
+              <a:t>Appropriate Timeouts</a:t>
+            </a:r>
+          </a:p>
+          <a:p>
+            <a:pPr lvl="1"/>
+            <a:r>
+              <a:rPr lang="en-GB" dirty="0" smtClean="0"/>
+              <a:t>Rate Limiting and Flow Control</a:t>
+            </a:r>
+          </a:p>
+          <a:p>
+            <a:pPr lvl="1"/>
+            <a:r>
+              <a:rPr lang="en-GB" dirty="0" smtClean="0"/>
+              <a:t>Random Number Generation</a:t>
+            </a:r>
+          </a:p>
+          <a:p>
+            <a:r>
+              <a:rPr lang="en-GB" dirty="0" smtClean="0"/>
+              <a:t>CAD-Applet Security:</a:t>
+            </a:r>
+            <a:endParaRPr lang="en-US" dirty="0" smtClean="0"/>
+          </a:p>
+          <a:p>
+            <a:pPr lvl="1"/>
+            <a:r>
+              <a:rPr lang="en-GB" dirty="0" smtClean="0"/>
+              <a:t>Authentication: SE Access Control from </a:t>
+            </a:r>
+            <a:r>
+              <a:rPr lang="en-GB" dirty="0" err="1" smtClean="0"/>
+              <a:t>GlobalPlatform</a:t>
+            </a:r>
+            <a:endParaRPr lang="en-GB" dirty="0" smtClean="0"/>
+          </a:p>
+          <a:p>
+            <a:pPr lvl="1"/>
+            <a:r>
+              <a:rPr lang="en-GB" dirty="0" smtClean="0"/>
+              <a:t>Secure Messaging: </a:t>
+            </a:r>
+            <a:r>
+              <a:rPr lang="en-GB" dirty="0" err="1" smtClean="0"/>
+              <a:t>OpenMobile</a:t>
+            </a:r>
+            <a:r>
+              <a:rPr lang="en-GB" dirty="0" smtClean="0"/>
+              <a:t> API</a:t>
+            </a:r>
+          </a:p>
+          <a:p>
+            <a:r>
+              <a:rPr lang="en-GB" dirty="0" err="1" smtClean="0"/>
+              <a:t>Appelt-Appelt</a:t>
+            </a:r>
+            <a:r>
+              <a:rPr lang="en-GB" dirty="0" smtClean="0"/>
+              <a:t> Security:</a:t>
+            </a:r>
+          </a:p>
+          <a:p>
+            <a:pPr lvl="1"/>
+            <a:r>
+              <a:rPr lang="en-GB" dirty="0" smtClean="0"/>
+              <a:t>RAM/RFM standard from </a:t>
+            </a:r>
+            <a:r>
+              <a:rPr lang="en-GB" dirty="0" err="1" smtClean="0"/>
+              <a:t>GlobalPlatform</a:t>
+            </a:r>
+            <a:endParaRPr lang="en-GB" dirty="0" smtClean="0"/>
+          </a:p>
+          <a:p>
+            <a:pPr lvl="1"/>
+            <a:r>
+              <a:rPr lang="en-GB" dirty="0" smtClean="0"/>
+              <a:t>TLS1.2 based communication session</a:t>
+            </a:r>
+          </a:p>
+          <a:p>
+            <a:pPr lvl="1"/>
+            <a:r>
+              <a:rPr lang="en-GB" dirty="0" smtClean="0"/>
+              <a:t>PKI</a:t>
+            </a:r>
+          </a:p>
+          <a:p>
+            <a:pPr lvl="1"/>
+            <a:endParaRPr lang="en-GB" dirty="0" smtClean="0"/>
+          </a:p>
+          <a:p>
+            <a:pPr>
+              <a:buNone/>
+            </a:pPr>
+            <a:endParaRPr lang="en-GB" dirty="0" smtClean="0"/>
+          </a:p>
+          <a:p>
+            <a:pPr>
+              <a:buNone/>
+            </a:pPr>
+            <a:endParaRPr lang="en-GB" dirty="0" smtClean="0"/>
+          </a:p>
+        </p:txBody>
+      </p:sp>
+      <p:sp>
+        <p:nvSpPr>
+          <p:cNvPr id="4" name="Slide Number Placeholder 3"/>
+          <p:cNvSpPr>
+            <a:spLocks noGrp="1"/>
+          </p:cNvSpPr>
+          <p:nvPr>
+            <p:ph type="sldNum" sz="quarter" idx="10"/>
           </p:nvPr>
         </p:nvSpPr>
         <p:spPr/>
@@ -4054,6 +4651,121 @@
               <a:rPr lang="en-US" smtClean="0"/>
               <a:pPr/>
               <a:t>16</a:t>
+            </a:fld>
+            <a:endParaRPr lang="en-US"/>
+          </a:p>
+        </p:txBody>
+      </p:sp>
+      <p:sp>
+        <p:nvSpPr>
+          <p:cNvPr id="5" name="Footer Placeholder 4"/>
+          <p:cNvSpPr>
+            <a:spLocks noGrp="1"/>
+          </p:cNvSpPr>
+          <p:nvPr>
+            <p:ph type="ftr" sz="quarter" idx="11"/>
+          </p:nvPr>
+        </p:nvSpPr>
+        <p:spPr/>
+        <p:txBody>
+          <a:bodyPr/>
+          <a:lstStyle/>
+          <a:p>
+            <a:r>
+              <a:rPr lang="en-US" altLang="zh-CN" dirty="0" smtClean="0"/>
+              <a:t>OPC UA on Secure Device Yuankui Wang</a:t>
+            </a:r>
+            <a:endParaRPr lang="en-US" altLang="zh-CN" dirty="0"/>
+          </a:p>
+        </p:txBody>
+      </p:sp>
+      <p:sp>
+        <p:nvSpPr>
+          <p:cNvPr id="6" name="Date Placeholder 5"/>
+          <p:cNvSpPr>
+            <a:spLocks noGrp="1"/>
+          </p:cNvSpPr>
+          <p:nvPr>
+            <p:ph type="dt" sz="half" idx="12"/>
+          </p:nvPr>
+        </p:nvSpPr>
+        <p:spPr/>
+        <p:txBody>
+          <a:bodyPr/>
+          <a:lstStyle/>
+          <a:p>
+            <a:fld id="{D9CB193C-FC74-4279-8388-9DD1BFD58DB8}" type="datetime4">
+              <a:rPr lang="en-US" smtClean="0"/>
+              <a:pPr/>
+              <a:t>July 24, 2014</a:t>
+            </a:fld>
+            <a:endParaRPr lang="en-US"/>
+          </a:p>
+        </p:txBody>
+      </p:sp>
+    </p:spTree>
+  </p:cSld>
+  <p:clrMapOvr>
+    <a:masterClrMapping/>
+  </p:clrMapOvr>
+</p:sld>
+</file>
+
+<file path=ppt/slides/slide17.xml><?xml version="1.0" encoding="utf-8"?>
+<p:sld xmlns:a="http://schemas.openxmlformats.org/drawingml/2006/main" xmlns:r="http://schemas.openxmlformats.org/officeDocument/2006/relationships" xmlns:p="http://schemas.openxmlformats.org/presentationml/2006/main">
+  <p:cSld>
+    <p:spTree>
+      <p:nvGrpSpPr>
+        <p:cNvPr id="1" name=""/>
+        <p:cNvGrpSpPr/>
+        <p:nvPr/>
+      </p:nvGrpSpPr>
+      <p:grpSpPr>
+        <a:xfrm>
+          <a:off x="0" y="0"/>
+          <a:ext cx="0" cy="0"/>
+          <a:chOff x="0" y="0"/>
+          <a:chExt cx="0" cy="0"/>
+        </a:xfrm>
+      </p:grpSpPr>
+      <p:sp>
+        <p:nvSpPr>
+          <p:cNvPr id="8" name="副标题 7"/>
+          <p:cNvSpPr>
+            <a:spLocks noGrp="1"/>
+          </p:cNvSpPr>
+          <p:nvPr>
+            <p:ph type="subTitle" idx="1"/>
+          </p:nvPr>
+        </p:nvSpPr>
+        <p:spPr/>
+        <p:txBody>
+          <a:bodyPr/>
+          <a:lstStyle/>
+          <a:p>
+            <a:endParaRPr lang="zh-CN" altLang="en-US"/>
+          </a:p>
+        </p:txBody>
+      </p:sp>
+      <p:sp>
+        <p:nvSpPr>
+          <p:cNvPr id="4" name="灯片编号占位符 3"/>
+          <p:cNvSpPr>
+            <a:spLocks noGrp="1"/>
+          </p:cNvSpPr>
+          <p:nvPr>
+            <p:ph type="sldNum" sz="quarter" idx="4"/>
+          </p:nvPr>
+        </p:nvSpPr>
+        <p:spPr/>
+        <p:txBody>
+          <a:bodyPr/>
+          <a:lstStyle/>
+          <a:p>
+            <a:fld id="{FAF38CBB-378C-4311-BC9A-BAB83E9729AD}" type="slidenum">
+              <a:rPr lang="en-US" smtClean="0"/>
+              <a:pPr/>
+              <a:t>17</a:t>
             </a:fld>
             <a:endParaRPr lang="en-US"/>
           </a:p>
@@ -4364,6 +5076,60 @@
           </a:p>
         </p:txBody>
       </p:sp>
+      <p:pic>
+        <p:nvPicPr>
+          <p:cNvPr id="3" name="Picture 2"/>
+          <p:cNvPicPr>
+            <a:picLocks noChangeAspect="1" noChangeArrowheads="1"/>
+          </p:cNvPicPr>
+          <p:nvPr/>
+        </p:nvPicPr>
+        <p:blipFill>
+          <a:blip r:embed="rId2">
+            <a:extLst>
+              <a:ext uri="{28A0092B-C50C-407E-A947-70E740481C1C}">
+                <a14:useLocalDpi xmlns:a14="http://schemas.microsoft.com/office/drawing/2010/main" val="0"/>
+              </a:ext>
+            </a:extLst>
+          </a:blip>
+          <a:srcRect/>
+          <a:stretch>
+            <a:fillRect/>
+          </a:stretch>
+        </p:blipFill>
+        <p:spPr bwMode="auto">
+          <a:xfrm>
+            <a:off x="164407" y="1001486"/>
+            <a:ext cx="8378702" cy="5514494"/>
+          </a:xfrm>
+          <a:prstGeom prst="rect">
+            <a:avLst/>
+          </a:prstGeom>
+          <a:noFill/>
+          <a:ln>
+            <a:noFill/>
+          </a:ln>
+          <a:extLst>
+            <a:ext uri="{909E8E84-426E-40DD-AFC4-6F175D3DCCD1}">
+              <a14:hiddenFill xmlns:a14="http://schemas.microsoft.com/office/drawing/2010/main">
+                <a:solidFill>
+                  <a:schemeClr val="accent1"/>
+                </a:solidFill>
+              </a14:hiddenFill>
+            </a:ext>
+            <a:ext uri="{91240B29-F687-4F45-9708-019B960494DF}">
+              <a14:hiddenLine xmlns:a14="http://schemas.microsoft.com/office/drawing/2010/main" w="9525">
+                <a:solidFill>
+                  <a:schemeClr val="tx1"/>
+                </a:solidFill>
+                <a:miter lim="800000"/>
+                <a:headEnd/>
+                <a:tailEnd/>
+              </a14:hiddenLine>
+            </a:ext>
+          </a:extLst>
+        </p:spPr>
+      </p:pic>
     </p:spTree>
   </p:cSld>
   <p:clrMapOvr>
@@ -4419,6 +5185,60 @@
           </a:p>
         </p:txBody>
       </p:sp>
+      <p:pic>
+        <p:nvPicPr>
+          <p:cNvPr id="2050" name="Picture 2"/>
+          <p:cNvPicPr>
+            <a:picLocks noChangeAspect="1" noChangeArrowheads="1"/>
+          </p:cNvPicPr>
+          <p:nvPr/>
+        </p:nvPicPr>
+        <p:blipFill>
+          <a:blip r:embed="rId2">
+            <a:extLst>
+              <a:ext uri="{28A0092B-C50C-407E-A947-70E740481C1C}">
+                <a14:useLocalDpi xmlns:a14="http://schemas.microsoft.com/office/drawing/2010/main" val="0"/>
+              </a:ext>
+            </a:extLst>
+          </a:blip>
+          <a:srcRect/>
+          <a:stretch>
+            <a:fillRect/>
+          </a:stretch>
+        </p:blipFill>
+        <p:spPr bwMode="auto">
+          <a:xfrm>
+            <a:off x="539496" y="1366965"/>
+            <a:ext cx="7636600" cy="5248386"/>
+          </a:xfrm>
+          <a:prstGeom prst="rect">
+            <a:avLst/>
+          </a:prstGeom>
+          <a:noFill/>
+          <a:ln>
+            <a:noFill/>
+          </a:ln>
+          <a:extLst>
+            <a:ext uri="{909E8E84-426E-40DD-AFC4-6F175D3DCCD1}">
+              <a14:hiddenFill xmlns:a14="http://schemas.microsoft.com/office/drawing/2010/main">
+                <a:solidFill>
+                  <a:schemeClr val="accent1"/>
+                </a:solidFill>
+              </a14:hiddenFill>
+            </a:ext>
+            <a:ext uri="{91240B29-F687-4F45-9708-019B960494DF}">
+              <a14:hiddenLine xmlns:a14="http://schemas.microsoft.com/office/drawing/2010/main" w="9525">
+                <a:solidFill>
+                  <a:schemeClr val="tx1"/>
+                </a:solidFill>
+                <a:miter lim="800000"/>
+                <a:headEnd/>
+                <a:tailEnd/>
+              </a14:hiddenLine>
+            </a:ext>
+          </a:extLst>
+        </p:spPr>
+      </p:pic>
     </p:spTree>
   </p:cSld>
   <p:clrMapOvr>
@@ -4583,7 +5403,7 @@
       </p:sp>
       <p:pic>
         <p:nvPicPr>
-          <p:cNvPr id="5123" name="Picture 3" descr="C:\workspace\opc_ua\myCode\pic\UI.jpg"/>
+          <p:cNvPr id="5122" name="Picture 2" descr="C:\workspace\opc_ua\myCode\pic\UI2.jpg"/>
           <p:cNvPicPr>
             <a:picLocks noChangeAspect="1" noChangeArrowheads="1"/>
           </p:cNvPicPr>
@@ -4598,8 +5418,8 @@
         </p:blipFill>
         <p:spPr bwMode="auto">
           <a:xfrm>
-            <a:off x="337999" y="1214298"/>
-            <a:ext cx="3638550" cy="5114925"/>
+            <a:off x="534946" y="1214298"/>
+            <a:ext cx="3524250" cy="5029200"/>
           </a:xfrm>
           <a:prstGeom prst="rect">
             <a:avLst/>
@@ -4609,7 +5429,7 @@
       </p:pic>
       <p:sp>
         <p:nvSpPr>
-          <p:cNvPr id="6" name="Content Placeholder 2"/>
+          <p:cNvPr id="5" name="Content Placeholder 2"/>
           <p:cNvSpPr>
             <a:spLocks noGrp="1"/>
           </p:cNvSpPr>
@@ -4619,7 +5439,7 @@
         </p:nvSpPr>
         <p:spPr>
           <a:xfrm>
-            <a:off x="3976549" y="1214298"/>
+            <a:off x="3976549" y="1634922"/>
             <a:ext cx="4789714" cy="5056187"/>
           </a:xfrm>
         </p:spPr>
@@ -4628,98 +5448,62 @@
           <a:lstStyle/>
           <a:p>
             <a:r>
+              <a:rPr lang="en-GB" dirty="0" smtClean="0"/>
+              <a:t>Login</a:t>
+            </a:r>
+          </a:p>
+          <a:p>
+            <a:pPr lvl="1"/>
+            <a:r>
+              <a:rPr lang="en-GB" dirty="0" smtClean="0"/>
+              <a:t>Retry count = 3</a:t>
+            </a:r>
+          </a:p>
+          <a:p>
+            <a:pPr lvl="1"/>
+            <a:r>
+              <a:rPr lang="en-GB" dirty="0" smtClean="0"/>
+              <a:t>Username/</a:t>
+            </a:r>
+            <a:r>
               <a:rPr lang="en-GB" dirty="0" err="1" smtClean="0"/>
-              <a:t>DoorLock</a:t>
+              <a:t>pwd</a:t>
+            </a:r>
+            <a:r>
+              <a:rPr lang="en-GB" dirty="0" smtClean="0"/>
+              <a:t> stored on smart card</a:t>
+            </a:r>
+          </a:p>
+          <a:p>
+            <a:r>
+              <a:rPr lang="en-GB" dirty="0" smtClean="0"/>
+              <a:t>New </a:t>
+            </a:r>
+            <a:r>
+              <a:rPr lang="en-GB" dirty="0" err="1" smtClean="0"/>
+              <a:t>Pwd</a:t>
             </a:r>
             <a:endParaRPr lang="en-GB" dirty="0" smtClean="0"/>
           </a:p>
           <a:p>
+            <a:r>
+              <a:rPr lang="en-GB" dirty="0" smtClean="0"/>
+              <a:t>Retry counter &gt;3</a:t>
+            </a:r>
+          </a:p>
+          <a:p>
             <a:pPr lvl="1"/>
             <a:r>
               <a:rPr lang="en-GB" dirty="0" smtClean="0"/>
-              <a:t>Open</a:t>
+              <a:t>Lock card</a:t>
             </a:r>
           </a:p>
           <a:p>
             <a:pPr lvl="1"/>
             <a:r>
-              <a:rPr lang="en-GB" dirty="0" err="1" smtClean="0"/>
-              <a:t>GetRecord</a:t>
-            </a:r>
-            <a:endParaRPr lang="en-GB" dirty="0" smtClean="0"/>
-          </a:p>
-          <a:p>
-            <a:pPr lvl="1"/>
-            <a:r>
-              <a:rPr lang="en-GB" dirty="0" err="1" smtClean="0"/>
-              <a:t>GrantAccess</a:t>
-            </a:r>
-            <a:r>
               <a:rPr lang="en-GB" dirty="0" smtClean="0"/>
-              <a:t> </a:t>
-            </a:r>
-          </a:p>
-          <a:p>
-            <a:r>
-              <a:rPr lang="en-GB" dirty="0" smtClean="0"/>
-              <a:t>Sensor:</a:t>
-            </a:r>
-            <a:endParaRPr lang="en-US" dirty="0" smtClean="0"/>
-          </a:p>
-          <a:p>
-            <a:pPr lvl="1"/>
-            <a:r>
-              <a:rPr lang="en-GB" dirty="0" err="1" smtClean="0"/>
-              <a:t>GetValue</a:t>
-            </a:r>
-            <a:endParaRPr lang="en-GB" dirty="0" smtClean="0"/>
-          </a:p>
-          <a:p>
-            <a:pPr lvl="1"/>
-            <a:r>
-              <a:rPr lang="en-GB" dirty="0" err="1" smtClean="0"/>
-              <a:t>SetSubscrition</a:t>
-            </a:r>
-            <a:endParaRPr lang="en-GB" dirty="0" smtClean="0"/>
-          </a:p>
-          <a:p>
-            <a:pPr lvl="1"/>
-            <a:r>
-              <a:rPr lang="en-GB" dirty="0" err="1" smtClean="0"/>
-              <a:t>GetRecord</a:t>
-            </a:r>
-            <a:endParaRPr lang="en-GB" dirty="0" smtClean="0"/>
-          </a:p>
-          <a:p>
-            <a:r>
-              <a:rPr lang="en-GB" dirty="0" err="1" smtClean="0"/>
-              <a:t>CafeMaker</a:t>
-            </a:r>
-            <a:endParaRPr lang="en-GB" dirty="0" smtClean="0"/>
-          </a:p>
-          <a:p>
-            <a:pPr lvl="1"/>
-            <a:r>
-              <a:rPr lang="en-GB" dirty="0" err="1" smtClean="0"/>
-              <a:t>AddWater</a:t>
-            </a:r>
-            <a:endParaRPr lang="en-GB" dirty="0" smtClean="0"/>
-          </a:p>
-          <a:p>
-            <a:pPr lvl="1"/>
-            <a:r>
-              <a:rPr lang="en-GB" dirty="0" err="1" smtClean="0"/>
-              <a:t>AddCafe</a:t>
-            </a:r>
-            <a:endParaRPr lang="en-GB" dirty="0" smtClean="0"/>
-          </a:p>
-          <a:p>
-            <a:pPr lvl="1"/>
-            <a:r>
-              <a:rPr lang="en-GB" dirty="0" err="1" smtClean="0"/>
-              <a:t>MakeCafe</a:t>
-            </a:r>
-            <a:endParaRPr lang="en-GB" dirty="0" smtClean="0"/>
+              <a:t>Email notification</a:t>
+            </a:r>
           </a:p>
           <a:p>
             <a:pPr lvl="1"/>
@@ -4740,6 +5524,11 @@
         </p:txBody>
       </p:sp>
     </p:spTree>
+    <p:extLst>
+      <p:ext uri="{BB962C8B-B14F-4D97-AF65-F5344CB8AC3E}">
+        <p14:creationId xmlns:p14="http://schemas.microsoft.com/office/powerpoint/2010/main" val="2279023909"/>
+      </p:ext>
+    </p:extLst>
   </p:cSld>
   <p:clrMapOvr>
     <a:masterClrMapping/>
@@ -4773,7 +5562,7 @@
       </p:grpSpPr>
       <p:sp>
         <p:nvSpPr>
-          <p:cNvPr id="2" name="Title 1"/>
+          <p:cNvPr id="2" name="标题 1"/>
           <p:cNvSpPr>
             <a:spLocks noGrp="1"/>
           </p:cNvSpPr>
@@ -4787,6 +5576,219 @@
           <a:lstStyle/>
           <a:p>
             <a:r>
+              <a:rPr lang="en-US" altLang="zh-CN" dirty="0" smtClean="0"/>
+              <a:t>System Design: Android UI</a:t>
+            </a:r>
+            <a:endParaRPr lang="zh-CN" altLang="en-US" dirty="0"/>
+          </a:p>
+        </p:txBody>
+      </p:sp>
+      <p:pic>
+        <p:nvPicPr>
+          <p:cNvPr id="5123" name="Picture 3" descr="C:\workspace\opc_ua\myCode\pic\UI.jpg"/>
+          <p:cNvPicPr>
+            <a:picLocks noChangeAspect="1" noChangeArrowheads="1"/>
+          </p:cNvPicPr>
+          <p:nvPr/>
+        </p:nvPicPr>
+        <p:blipFill>
+          <a:blip r:embed="rId2" cstate="print"/>
+          <a:srcRect/>
+          <a:stretch>
+            <a:fillRect/>
+          </a:stretch>
+        </p:blipFill>
+        <p:spPr bwMode="auto">
+          <a:xfrm>
+            <a:off x="337999" y="1214298"/>
+            <a:ext cx="3638550" cy="5114925"/>
+          </a:xfrm>
+          <a:prstGeom prst="rect">
+            <a:avLst/>
+          </a:prstGeom>
+          <a:noFill/>
+        </p:spPr>
+      </p:pic>
+      <p:sp>
+        <p:nvSpPr>
+          <p:cNvPr id="6" name="Content Placeholder 2"/>
+          <p:cNvSpPr>
+            <a:spLocks noGrp="1"/>
+          </p:cNvSpPr>
+          <p:nvPr>
+            <p:ph idx="1"/>
+          </p:nvPr>
+        </p:nvSpPr>
+        <p:spPr>
+          <a:xfrm>
+            <a:off x="3976549" y="1214298"/>
+            <a:ext cx="4789714" cy="5056187"/>
+          </a:xfrm>
+        </p:spPr>
+        <p:txBody>
+          <a:bodyPr/>
+          <a:lstStyle/>
+          <a:p>
+            <a:r>
+              <a:rPr lang="en-GB" dirty="0" err="1" smtClean="0"/>
+              <a:t>DoorLock</a:t>
+            </a:r>
+            <a:endParaRPr lang="en-GB" dirty="0" smtClean="0"/>
+          </a:p>
+          <a:p>
+            <a:pPr lvl="1"/>
+            <a:r>
+              <a:rPr lang="en-GB" dirty="0" smtClean="0"/>
+              <a:t>Open</a:t>
+            </a:r>
+          </a:p>
+          <a:p>
+            <a:pPr lvl="1"/>
+            <a:r>
+              <a:rPr lang="en-GB" dirty="0" err="1" smtClean="0"/>
+              <a:t>GetRecord</a:t>
+            </a:r>
+            <a:endParaRPr lang="en-GB" dirty="0" smtClean="0"/>
+          </a:p>
+          <a:p>
+            <a:pPr lvl="1"/>
+            <a:r>
+              <a:rPr lang="en-GB" dirty="0" err="1" smtClean="0"/>
+              <a:t>GrantAccess</a:t>
+            </a:r>
+            <a:r>
+              <a:rPr lang="en-GB" dirty="0" smtClean="0"/>
+              <a:t> </a:t>
+            </a:r>
+          </a:p>
+          <a:p>
+            <a:r>
+              <a:rPr lang="en-GB" dirty="0" smtClean="0"/>
+              <a:t>Sensor:</a:t>
+            </a:r>
+            <a:endParaRPr lang="en-US" dirty="0" smtClean="0"/>
+          </a:p>
+          <a:p>
+            <a:pPr lvl="1"/>
+            <a:r>
+              <a:rPr lang="en-GB" dirty="0" err="1" smtClean="0"/>
+              <a:t>GetValue</a:t>
+            </a:r>
+            <a:endParaRPr lang="en-GB" dirty="0" smtClean="0"/>
+          </a:p>
+          <a:p>
+            <a:pPr lvl="1"/>
+            <a:r>
+              <a:rPr lang="en-GB" dirty="0" err="1" smtClean="0"/>
+              <a:t>SetSubscrition</a:t>
+            </a:r>
+            <a:endParaRPr lang="en-GB" dirty="0" smtClean="0"/>
+          </a:p>
+          <a:p>
+            <a:pPr lvl="1"/>
+            <a:r>
+              <a:rPr lang="en-GB" dirty="0" err="1" smtClean="0"/>
+              <a:t>GetRecord</a:t>
+            </a:r>
+            <a:endParaRPr lang="en-GB" dirty="0" smtClean="0"/>
+          </a:p>
+          <a:p>
+            <a:r>
+              <a:rPr lang="en-GB" dirty="0" err="1" smtClean="0"/>
+              <a:t>CafeMaker</a:t>
+            </a:r>
+            <a:endParaRPr lang="en-GB" dirty="0" smtClean="0"/>
+          </a:p>
+          <a:p>
+            <a:pPr lvl="1"/>
+            <a:r>
+              <a:rPr lang="en-GB" dirty="0" err="1" smtClean="0"/>
+              <a:t>AddWater</a:t>
+            </a:r>
+            <a:endParaRPr lang="en-GB" dirty="0" smtClean="0"/>
+          </a:p>
+          <a:p>
+            <a:pPr lvl="1"/>
+            <a:r>
+              <a:rPr lang="en-GB" dirty="0" err="1" smtClean="0"/>
+              <a:t>AddCafe</a:t>
+            </a:r>
+            <a:endParaRPr lang="en-GB" dirty="0" smtClean="0"/>
+          </a:p>
+          <a:p>
+            <a:pPr lvl="1"/>
+            <a:r>
+              <a:rPr lang="en-GB" dirty="0" err="1" smtClean="0"/>
+              <a:t>MakeCafe</a:t>
+            </a:r>
+            <a:endParaRPr lang="en-GB" dirty="0" smtClean="0"/>
+          </a:p>
+          <a:p>
+            <a:pPr lvl="1"/>
+            <a:endParaRPr lang="en-GB" dirty="0" smtClean="0"/>
+          </a:p>
+          <a:p>
+            <a:pPr>
+              <a:buNone/>
+            </a:pPr>
+            <a:endParaRPr lang="en-GB" dirty="0" smtClean="0"/>
+          </a:p>
+          <a:p>
+            <a:pPr>
+              <a:buNone/>
+            </a:pPr>
+            <a:endParaRPr lang="en-GB" dirty="0" smtClean="0"/>
+          </a:p>
+        </p:txBody>
+      </p:sp>
+    </p:spTree>
+  </p:cSld>
+  <p:clrMapOvr>
+    <a:masterClrMapping/>
+  </p:clrMapOvr>
+  <p:timing>
+    <p:tnLst>
+      <p:par>
+        <p:cTn id="1" dur="indefinite" restart="never" nodeType="tmRoot"/>
+      </p:par>
+    </p:tnLst>
+  </p:timing>
+</p:sld>
+</file>
+
+<file path=ppt/slides/slide8.xml><?xml version="1.0" encoding="utf-8"?>
+<p:sld xmlns:a="http://schemas.openxmlformats.org/drawingml/2006/main" xmlns:r="http://schemas.openxmlformats.org/officeDocument/2006/relationships" xmlns:p="http://schemas.openxmlformats.org/presentationml/2006/main">
+  <p:cSld>
+    <p:spTree>
+      <p:nvGrpSpPr>
+        <p:cNvPr id="1" name=""/>
+        <p:cNvGrpSpPr/>
+        <p:nvPr/>
+      </p:nvGrpSpPr>
+      <p:grpSpPr>
+        <a:xfrm>
+          <a:off x="0" y="0"/>
+          <a:ext cx="0" cy="0"/>
+          <a:chOff x="0" y="0"/>
+          <a:chExt cx="0" cy="0"/>
+        </a:xfrm>
+      </p:grpSpPr>
+      <p:sp>
+        <p:nvSpPr>
+          <p:cNvPr id="2" name="Title 1"/>
+          <p:cNvSpPr>
+            <a:spLocks noGrp="1"/>
+          </p:cNvSpPr>
+          <p:nvPr>
+            <p:ph type="title"/>
+          </p:nvPr>
+        </p:nvSpPr>
+        <p:spPr/>
+        <p:txBody>
+          <a:bodyPr/>
+          <a:lstStyle/>
+          <a:p>
+            <a:r>
               <a:rPr lang="en-GB" dirty="0" smtClean="0"/>
               <a:t>Test: </a:t>
             </a:r>
@@ -4824,7 +5826,7 @@
             <a:fld id="{FAF38CBB-378C-4311-BC9A-BAB83E9729AD}" type="slidenum">
               <a:rPr lang="en-US" smtClean="0"/>
               <a:pPr/>
-              <a:t>7</a:t>
+              <a:t>8</a:t>
             </a:fld>
             <a:endParaRPr lang="en-US"/>
           </a:p>
@@ -4912,139 +5914,133 @@
           <a:effectLst/>
         </p:spPr>
       </p:pic>
-    </p:spTree>
-  </p:cSld>
-  <p:clrMapOvr>
-    <a:masterClrMapping/>
-  </p:clrMapOvr>
-</p:sld>
-</file>
-
-<file path=ppt/slides/slide8.xml><?xml version="1.0" encoding="utf-8"?>
-<p:sld xmlns:a="http://schemas.openxmlformats.org/drawingml/2006/main" xmlns:r="http://schemas.openxmlformats.org/officeDocument/2006/relationships" xmlns:p="http://schemas.openxmlformats.org/presentationml/2006/main">
-  <p:cSld>
-    <p:spTree>
-      <p:nvGrpSpPr>
-        <p:cNvPr id="1" name=""/>
-        <p:cNvGrpSpPr/>
-        <p:nvPr/>
-      </p:nvGrpSpPr>
-      <p:grpSpPr>
-        <a:xfrm>
-          <a:off x="0" y="0"/>
-          <a:ext cx="0" cy="0"/>
-          <a:chOff x="0" y="0"/>
-          <a:chExt cx="0" cy="0"/>
-        </a:xfrm>
-      </p:grpSpPr>
-      <p:sp>
-        <p:nvSpPr>
-          <p:cNvPr id="2" name="标题 1"/>
-          <p:cNvSpPr>
-            <a:spLocks noGrp="1"/>
-          </p:cNvSpPr>
-          <p:nvPr>
-            <p:ph type="title"/>
-          </p:nvPr>
-        </p:nvSpPr>
-        <p:spPr/>
-        <p:txBody>
-          <a:bodyPr/>
-          <a:lstStyle/>
-          <a:p>
-            <a:r>
-              <a:rPr lang="en-US" altLang="zh-CN" dirty="0" smtClean="0"/>
-              <a:t>System Design: Applet Class</a:t>
-            </a:r>
-            <a:endParaRPr lang="zh-CN" altLang="en-US" dirty="0"/>
-          </a:p>
-        </p:txBody>
-      </p:sp>
-      <p:pic>
-        <p:nvPicPr>
-          <p:cNvPr id="2051" name="Picture 3"/>
-          <p:cNvPicPr>
-            <a:picLocks noChangeAspect="1" noChangeArrowheads="1"/>
-          </p:cNvPicPr>
+      <p:sp>
+        <p:nvSpPr>
+          <p:cNvPr id="9" name="Rechteck 8"/>
+          <p:cNvSpPr/>
           <p:nvPr/>
-        </p:nvPicPr>
-        <p:blipFill>
-          <a:blip r:embed="rId2" cstate="print"/>
-          <a:srcRect/>
-          <a:stretch>
-            <a:fillRect/>
-          </a:stretch>
-        </p:blipFill>
+        </p:nvSpPr>
         <p:spPr bwMode="auto">
           <a:xfrm>
-            <a:off x="947577" y="2355791"/>
-            <a:ext cx="7118552" cy="4274642"/>
+            <a:off x="1316736" y="1536192"/>
+            <a:ext cx="2212848" cy="402336"/>
           </a:xfrm>
           <a:prstGeom prst="rect">
             <a:avLst/>
           </a:prstGeom>
           <a:noFill/>
-          <a:ln w="9525">
-            <a:noFill/>
-            <a:miter lim="800000"/>
-            <a:headEnd/>
-            <a:tailEnd/>
+          <a:ln w="50800" cap="flat" cmpd="sng" algn="ctr">
+            <a:solidFill>
+              <a:srgbClr val="FFFF00">
+                <a:alpha val="49000"/>
+              </a:srgbClr>
+            </a:solidFill>
+            <a:prstDash val="solid"/>
+            <a:round/>
+            <a:headEnd type="none" w="med" len="med"/>
+            <a:tailEnd type="none" w="med" len="med"/>
           </a:ln>
           <a:effectLst/>
         </p:spPr>
-      </p:pic>
-      <p:sp>
-        <p:nvSpPr>
-          <p:cNvPr id="5" name="TextBox 4"/>
-          <p:cNvSpPr txBox="1"/>
+        <p:txBody>
+          <a:bodyPr vert="horz" wrap="square" lIns="91440" tIns="45720" rIns="91440" bIns="45720" numCol="1" rtlCol="0" anchor="t" anchorCtr="0" compatLnSpc="1">
+            <a:prstTxWarp prst="textNoShape">
+              <a:avLst/>
+            </a:prstTxWarp>
+          </a:bodyPr>
+          <a:lstStyle/>
+          <a:p>
+            <a:pPr marL="0" marR="0" indent="0" algn="l" defTabSz="914400" rtl="0" eaLnBrk="1" fontAlgn="base" latinLnBrk="0" hangingPunct="1">
+              <a:lnSpc>
+                <a:spcPct val="100000"/>
+              </a:lnSpc>
+              <a:spcBef>
+                <a:spcPct val="0"/>
+              </a:spcBef>
+              <a:spcAft>
+                <a:spcPct val="0"/>
+              </a:spcAft>
+              <a:buClrTx/>
+              <a:buSzTx/>
+              <a:buFontTx/>
+              <a:buNone/>
+              <a:tabLst/>
+            </a:pPr>
+            <a:endParaRPr kumimoji="0" lang="de-DE" sz="2000" b="1" i="1" u="none" strike="noStrike" cap="none" normalizeH="0" baseline="0" smtClean="0">
+              <a:ln>
+                <a:noFill/>
+              </a:ln>
+              <a:solidFill>
+                <a:srgbClr val="0768B2"/>
+              </a:solidFill>
+              <a:effectLst/>
+              <a:latin typeface="Arial" charset="0"/>
+            </a:endParaRPr>
+          </a:p>
+        </p:txBody>
+      </p:sp>
+      <p:sp>
+        <p:nvSpPr>
+          <p:cNvPr id="11" name="Rechteck 10"/>
+          <p:cNvSpPr/>
           <p:nvPr/>
         </p:nvSpPr>
-        <p:spPr>
+        <p:spPr bwMode="auto">
           <a:xfrm>
-            <a:off x="524787" y="1340128"/>
-            <a:ext cx="7541342" cy="1015663"/>
+            <a:off x="1249680" y="3142488"/>
+            <a:ext cx="2212848" cy="402336"/>
           </a:xfrm>
           <a:prstGeom prst="rect">
             <a:avLst/>
           </a:prstGeom>
           <a:noFill/>
-        </p:spPr>
-        <p:txBody>
-          <a:bodyPr wrap="square" rtlCol="0">
-            <a:spAutoFit/>
+          <a:ln w="50800" cap="flat" cmpd="sng" algn="ctr">
+            <a:solidFill>
+              <a:srgbClr val="FFFF00">
+                <a:alpha val="49000"/>
+              </a:srgbClr>
+            </a:solidFill>
+            <a:prstDash val="solid"/>
+            <a:round/>
+            <a:headEnd type="none" w="med" len="med"/>
+            <a:tailEnd type="none" w="med" len="med"/>
+          </a:ln>
+          <a:effectLst/>
+        </p:spPr>
+        <p:txBody>
+          <a:bodyPr vert="horz" wrap="square" lIns="91440" tIns="45720" rIns="91440" bIns="45720" numCol="1" rtlCol="0" anchor="t" anchorCtr="0" compatLnSpc="1">
+            <a:prstTxWarp prst="textNoShape">
+              <a:avLst/>
+            </a:prstTxWarp>
           </a:bodyPr>
           <a:lstStyle/>
           <a:p>
-            <a:r>
-              <a:rPr lang="en-GB" dirty="0" err="1" smtClean="0"/>
-              <a:t>CommunicationStack</a:t>
-            </a:r>
-            <a:r>
-              <a:rPr lang="en-GB" dirty="0" smtClean="0"/>
-              <a:t>:</a:t>
-            </a:r>
-          </a:p>
-          <a:p>
-            <a:r>
-              <a:rPr lang="en-GB" dirty="0" smtClean="0"/>
-              <a:t>	</a:t>
-            </a:r>
-            <a:r>
-              <a:rPr lang="en-GB" dirty="0" err="1" smtClean="0"/>
-              <a:t>AdminTrigger</a:t>
-            </a:r>
-            <a:endParaRPr lang="en-US" dirty="0" smtClean="0"/>
-          </a:p>
-          <a:p>
-            <a:r>
-              <a:rPr lang="en-GB" dirty="0" smtClean="0"/>
-              <a:t>	</a:t>
-            </a:r>
-            <a:r>
-              <a:rPr lang="en-GB" dirty="0" err="1" smtClean="0"/>
-              <a:t>ApduTransfer</a:t>
-            </a:r>
-            <a:endParaRPr lang="en-GB" dirty="0" smtClean="0"/>
+            <a:pPr marL="0" marR="0" indent="0" algn="l" defTabSz="914400" rtl="0" eaLnBrk="1" fontAlgn="base" latinLnBrk="0" hangingPunct="1">
+              <a:lnSpc>
+                <a:spcPct val="100000"/>
+              </a:lnSpc>
+              <a:spcBef>
+                <a:spcPct val="0"/>
+              </a:spcBef>
+              <a:spcAft>
+                <a:spcPct val="0"/>
+              </a:spcAft>
+              <a:buClrTx/>
+              <a:buSzTx/>
+              <a:buFontTx/>
+              <a:buNone/>
+              <a:tabLst/>
+            </a:pPr>
+            <a:endParaRPr kumimoji="0" lang="de-DE" sz="2000" b="1" i="1" u="none" strike="noStrike" cap="none" normalizeH="0" baseline="0" smtClean="0">
+              <a:ln>
+                <a:noFill/>
+              </a:ln>
+              <a:solidFill>
+                <a:srgbClr val="0768B2"/>
+              </a:solidFill>
+              <a:effectLst/>
+              <a:latin typeface="Arial" charset="0"/>
+            </a:endParaRPr>
           </a:p>
         </p:txBody>
       </p:sp>
@@ -5097,7 +6093,7 @@
           <a:p>
             <a:r>
               <a:rPr lang="en-US" altLang="zh-CN" dirty="0" smtClean="0"/>
-              <a:t>System Design: CAD-SD Interface</a:t>
+              <a:t>System Design: Applet Class</a:t>
             </a:r>
             <a:endParaRPr lang="zh-CN" altLang="en-US" dirty="0"/>
           </a:p>
@@ -5105,7 +6101,7 @@
       </p:sp>
       <p:pic>
         <p:nvPicPr>
-          <p:cNvPr id="3074" name="Picture 2"/>
+          <p:cNvPr id="2051" name="Picture 3"/>
           <p:cNvPicPr>
             <a:picLocks noChangeAspect="1" noChangeArrowheads="1"/>
           </p:cNvPicPr>
@@ -5120,8 +6116,8 @@
         </p:blipFill>
         <p:spPr bwMode="auto">
           <a:xfrm>
-            <a:off x="322470" y="1333500"/>
-            <a:ext cx="5992813" cy="2095500"/>
+            <a:off x="947577" y="2355791"/>
+            <a:ext cx="7118552" cy="4274642"/>
           </a:xfrm>
           <a:prstGeom prst="rect">
             <a:avLst/>
@@ -5136,105 +6132,61 @@
           <a:effectLst/>
         </p:spPr>
       </p:pic>
-      <p:pic>
-        <p:nvPicPr>
-          <p:cNvPr id="3075" name="Picture 3"/>
-          <p:cNvPicPr>
-            <a:picLocks noChangeAspect="1" noChangeArrowheads="1"/>
-          </p:cNvPicPr>
+      <p:sp>
+        <p:nvSpPr>
+          <p:cNvPr id="5" name="TextBox 4"/>
+          <p:cNvSpPr txBox="1"/>
           <p:nvPr/>
-        </p:nvPicPr>
-        <p:blipFill>
-          <a:blip r:embed="rId3" cstate="print"/>
-          <a:srcRect/>
-          <a:stretch>
-            <a:fillRect/>
-          </a:stretch>
-        </p:blipFill>
-        <p:spPr bwMode="auto">
+        </p:nvSpPr>
+        <p:spPr>
           <a:xfrm>
-            <a:off x="3384123" y="4336912"/>
-            <a:ext cx="5862320" cy="2038350"/>
+            <a:off x="524787" y="1340128"/>
+            <a:ext cx="7541342" cy="1015663"/>
           </a:xfrm>
           <a:prstGeom prst="rect">
             <a:avLst/>
           </a:prstGeom>
           <a:noFill/>
-          <a:ln w="9525">
-            <a:noFill/>
-            <a:miter lim="800000"/>
-            <a:headEnd/>
-            <a:tailEnd/>
-          </a:ln>
-          <a:effectLst/>
-        </p:spPr>
-      </p:pic>
-      <p:pic>
-        <p:nvPicPr>
-          <p:cNvPr id="3077" name="Picture 5"/>
-          <p:cNvPicPr>
-            <a:picLocks noChangeAspect="1" noChangeArrowheads="1"/>
-          </p:cNvPicPr>
-          <p:nvPr/>
-        </p:nvPicPr>
-        <p:blipFill>
-          <a:blip r:embed="rId4" cstate="print"/>
-          <a:srcRect r="6230"/>
-          <a:stretch>
-            <a:fillRect/>
-          </a:stretch>
-        </p:blipFill>
-        <p:spPr bwMode="auto">
-          <a:xfrm>
-            <a:off x="180229" y="3860938"/>
-            <a:ext cx="3304023" cy="1655942"/>
-          </a:xfrm>
-          <a:prstGeom prst="rect">
-            <a:avLst/>
-          </a:prstGeom>
-          <a:noFill/>
-          <a:ln w="9525">
-            <a:noFill/>
-            <a:miter lim="800000"/>
-            <a:headEnd/>
-            <a:tailEnd/>
-          </a:ln>
-          <a:effectLst/>
-        </p:spPr>
-      </p:pic>
-      <p:pic>
-        <p:nvPicPr>
-          <p:cNvPr id="1026" name="Picture 2"/>
-          <p:cNvPicPr>
-            <a:picLocks noChangeAspect="1" noChangeArrowheads="1"/>
-          </p:cNvPicPr>
-          <p:nvPr/>
-        </p:nvPicPr>
-        <p:blipFill>
-          <a:blip r:embed="rId5" cstate="print"/>
-          <a:srcRect/>
-          <a:stretch>
-            <a:fillRect/>
-          </a:stretch>
-        </p:blipFill>
-        <p:spPr bwMode="auto">
-          <a:xfrm>
-            <a:off x="5595938" y="3613288"/>
-            <a:ext cx="3371850" cy="495300"/>
-          </a:xfrm>
-          <a:prstGeom prst="rect">
-            <a:avLst/>
-          </a:prstGeom>
-          <a:noFill/>
-          <a:ln w="9525">
-            <a:noFill/>
-            <a:miter lim="800000"/>
-            <a:headEnd/>
-            <a:tailEnd/>
-          </a:ln>
-          <a:effectLst/>
-        </p:spPr>
-      </p:pic>
+        </p:spPr>
+        <p:txBody>
+          <a:bodyPr wrap="square" rtlCol="0">
+            <a:spAutoFit/>
+          </a:bodyPr>
+          <a:lstStyle/>
+          <a:p>
+            <a:r>
+              <a:rPr lang="en-GB" dirty="0" err="1" smtClean="0"/>
+              <a:t>CommunicationStack</a:t>
+            </a:r>
+            <a:r>
+              <a:rPr lang="en-GB" dirty="0" smtClean="0"/>
+              <a:t>:</a:t>
+            </a:r>
+          </a:p>
+          <a:p>
+            <a:r>
+              <a:rPr lang="en-GB" dirty="0" smtClean="0"/>
+              <a:t>	</a:t>
+            </a:r>
+            <a:r>
+              <a:rPr lang="en-GB" dirty="0" err="1" smtClean="0"/>
+              <a:t>AdminTrigger</a:t>
+            </a:r>
+            <a:endParaRPr lang="en-US" dirty="0" smtClean="0"/>
+          </a:p>
+          <a:p>
+            <a:r>
+              <a:rPr lang="en-GB" dirty="0" smtClean="0"/>
+              <a:t>	</a:t>
+            </a:r>
+            <a:r>
+              <a:rPr lang="en-GB" dirty="0" err="1" smtClean="0"/>
+              <a:t>ApduTransfer</a:t>
+            </a:r>
+            <a:endParaRPr lang="en-GB" dirty="0" smtClean="0"/>
+          </a:p>
+        </p:txBody>
+      </p:sp>
     </p:spTree>
   </p:cSld>
   <p:clrMapOvr>
